--- a/data/bchwtz-postermaster.pptx
+++ b/data/bchwtz-postermaster.pptx
@@ -104,6 +104,11 @@
       </a:defRPr>
     </a:lvl9pPr>
   </p:defaultTextStyle>
+  <p:extLst>
+    <p:ext uri="{EFAFB233-063F-42B5-8137-9DF3F51BA10A}">
+      <p15:sldGuideLst xmlns:p15="http://schemas.microsoft.com/office/powerpoint/2012/main"/>
+    </p:ext>
+  </p:extLst>
 </p:presentation>
 </file>
 
@@ -5694,7 +5699,7 @@
                             <a:rPr lang="de-DE" b="0" i="1" smtClean="0">
                               <a:latin typeface="Cambria Math" panose="02040503050406030204" pitchFamily="18" charset="0"/>
                             </a:rPr>
-                            <m:t>2</m:t>
+                            <m:t>−1</m:t>
                           </m:r>
                         </m:sup>
                       </m:sSup>
@@ -8991,14 +8996,14 @@
           <a:effectLst/>
           <a:extLst>
             <a:ext uri="{909E8E84-426E-40dd-AFC4-6F175D3DCCD1}">
-              <a14:hiddenFill xmlns:a14="http://schemas.microsoft.com/office/drawing/2010/main" xmlns="">
+              <a14:hiddenFill xmlns="" xmlns:a14="http://schemas.microsoft.com/office/drawing/2010/main">
                 <a:solidFill>
                   <a:schemeClr val="accent2"/>
                 </a:solidFill>
               </a14:hiddenFill>
             </a:ext>
             <a:ext uri="{AF507438-7753-43e0-B8FC-AC1667EBCBE1}">
-              <a14:hiddenEffects xmlns:a14="http://schemas.microsoft.com/office/drawing/2010/main" xmlns="">
+              <a14:hiddenEffects xmlns="" xmlns:a14="http://schemas.microsoft.com/office/drawing/2010/main">
                 <a:effectLst>
                   <a:outerShdw blurRad="63500" dist="35921" dir="2700000" algn="ctr" rotWithShape="0">
                     <a:schemeClr val="bg2"/>

--- a/data/bchwtz-postermaster.pptx
+++ b/data/bchwtz-postermaster.pptx
@@ -254,7 +254,7 @@
           <a:p>
             <a:fld id="{CA749C9B-D2D3-3D41-AD1B-C43C53654ACB}" type="datetimeFigureOut">
               <a:rPr lang="de-DE" smtClean="0"/>
-              <a:t>21.08.24</a:t>
+              <a:t>30.01.25</a:t>
             </a:fld>
             <a:endParaRPr lang="de-DE"/>
           </a:p>
@@ -456,7 +456,7 @@
           <a:p>
             <a:fld id="{CA749C9B-D2D3-3D41-AD1B-C43C53654ACB}" type="datetimeFigureOut">
               <a:rPr lang="de-DE" smtClean="0"/>
-              <a:t>21.08.24</a:t>
+              <a:t>30.01.25</a:t>
             </a:fld>
             <a:endParaRPr lang="de-DE"/>
           </a:p>
@@ -663,7 +663,7 @@
           <a:p>
             <a:fld id="{CA749C9B-D2D3-3D41-AD1B-C43C53654ACB}" type="datetimeFigureOut">
               <a:rPr lang="de-DE" smtClean="0"/>
-              <a:t>21.08.24</a:t>
+              <a:t>30.01.25</a:t>
             </a:fld>
             <a:endParaRPr lang="de-DE"/>
           </a:p>
@@ -865,7 +865,7 @@
           <a:p>
             <a:fld id="{CA749C9B-D2D3-3D41-AD1B-C43C53654ACB}" type="datetimeFigureOut">
               <a:rPr lang="de-DE" smtClean="0"/>
-              <a:t>21.08.24</a:t>
+              <a:t>30.01.25</a:t>
             </a:fld>
             <a:endParaRPr lang="de-DE"/>
           </a:p>
@@ -1136,7 +1136,7 @@
           <a:p>
             <a:fld id="{CA749C9B-D2D3-3D41-AD1B-C43C53654ACB}" type="datetimeFigureOut">
               <a:rPr lang="de-DE" smtClean="0"/>
-              <a:t>21.08.24</a:t>
+              <a:t>30.01.25</a:t>
             </a:fld>
             <a:endParaRPr lang="de-DE"/>
           </a:p>
@@ -1398,7 +1398,7 @@
           <a:p>
             <a:fld id="{CA749C9B-D2D3-3D41-AD1B-C43C53654ACB}" type="datetimeFigureOut">
               <a:rPr lang="de-DE" smtClean="0"/>
-              <a:t>21.08.24</a:t>
+              <a:t>30.01.25</a:t>
             </a:fld>
             <a:endParaRPr lang="de-DE"/>
           </a:p>
@@ -1801,7 +1801,7 @@
           <a:p>
             <a:fld id="{CA749C9B-D2D3-3D41-AD1B-C43C53654ACB}" type="datetimeFigureOut">
               <a:rPr lang="de-DE" smtClean="0"/>
-              <a:t>21.08.24</a:t>
+              <a:t>30.01.25</a:t>
             </a:fld>
             <a:endParaRPr lang="de-DE"/>
           </a:p>
@@ -1943,7 +1943,7 @@
           <a:p>
             <a:fld id="{CA749C9B-D2D3-3D41-AD1B-C43C53654ACB}" type="datetimeFigureOut">
               <a:rPr lang="de-DE" smtClean="0"/>
-              <a:t>21.08.24</a:t>
+              <a:t>30.01.25</a:t>
             </a:fld>
             <a:endParaRPr lang="de-DE"/>
           </a:p>
@@ -2062,7 +2062,7 @@
           <a:p>
             <a:fld id="{CA749C9B-D2D3-3D41-AD1B-C43C53654ACB}" type="datetimeFigureOut">
               <a:rPr lang="de-DE" smtClean="0"/>
-              <a:t>21.08.24</a:t>
+              <a:t>30.01.25</a:t>
             </a:fld>
             <a:endParaRPr lang="de-DE"/>
           </a:p>
@@ -2369,7 +2369,7 @@
           <a:p>
             <a:fld id="{CA749C9B-D2D3-3D41-AD1B-C43C53654ACB}" type="datetimeFigureOut">
               <a:rPr lang="de-DE" smtClean="0"/>
-              <a:t>21.08.24</a:t>
+              <a:t>30.01.25</a:t>
             </a:fld>
             <a:endParaRPr lang="de-DE"/>
           </a:p>
@@ -2656,7 +2656,7 @@
           <a:p>
             <a:fld id="{CA749C9B-D2D3-3D41-AD1B-C43C53654ACB}" type="datetimeFigureOut">
               <a:rPr lang="de-DE" smtClean="0"/>
-              <a:t>21.08.24</a:t>
+              <a:t>30.01.25</a:t>
             </a:fld>
             <a:endParaRPr lang="de-DE"/>
           </a:p>
@@ -3968,7 +3968,7 @@
             <p:spPr>
               <a:xfrm>
                 <a:off x="7811812" y="6059939"/>
-                <a:ext cx="5760000" cy="14716078"/>
+                <a:ext cx="5760000" cy="10290403"/>
               </a:xfrm>
               <a:prstGeom prst="rect">
                 <a:avLst/>
@@ -5749,441 +5749,6 @@
                 <a:pPr algn="just"/>
                 <a:endParaRPr lang="en-GB" dirty="0"/>
               </a:p>
-              <a:p>
-                <a:pPr algn="just"/>
-                <a:r>
-                  <a:rPr lang="en-GB" dirty="0" err="1"/>
-                  <a:t>Fusce</a:t>
-                </a:r>
-                <a:r>
-                  <a:rPr lang="en-GB" dirty="0"/>
-                  <a:t> </a:t>
-                </a:r>
-                <a:r>
-                  <a:rPr lang="en-GB" dirty="0" err="1"/>
-                  <a:t>facilisis</a:t>
-                </a:r>
-                <a:r>
-                  <a:rPr lang="en-GB" dirty="0"/>
-                  <a:t> </a:t>
-                </a:r>
-                <a:r>
-                  <a:rPr lang="en-GB" dirty="0" err="1"/>
-                  <a:t>finibus</a:t>
-                </a:r>
-                <a:r>
-                  <a:rPr lang="en-GB" dirty="0"/>
-                  <a:t> </a:t>
-                </a:r>
-                <a:r>
-                  <a:rPr lang="en-GB" dirty="0" err="1"/>
-                  <a:t>velit</a:t>
-                </a:r>
-                <a:r>
-                  <a:rPr lang="en-GB" dirty="0"/>
-                  <a:t>. </a:t>
-                </a:r>
-                <a:r>
-                  <a:rPr lang="en-GB" dirty="0" err="1"/>
-                  <a:t>Sed</a:t>
-                </a:r>
-                <a:r>
-                  <a:rPr lang="en-GB" dirty="0"/>
-                  <a:t> </a:t>
-                </a:r>
-                <a:r>
-                  <a:rPr lang="en-GB" dirty="0" err="1"/>
-                  <a:t>fringilla</a:t>
-                </a:r>
-                <a:r>
-                  <a:rPr lang="en-GB" dirty="0"/>
-                  <a:t>, </a:t>
-                </a:r>
-                <a:r>
-                  <a:rPr lang="en-GB" dirty="0" err="1"/>
-                  <a:t>tortor</a:t>
-                </a:r>
-                <a:r>
-                  <a:rPr lang="en-GB" dirty="0"/>
-                  <a:t> non </a:t>
-                </a:r>
-                <a:r>
-                  <a:rPr lang="en-GB" dirty="0" err="1"/>
-                  <a:t>rutrum</a:t>
-                </a:r>
-                <a:r>
-                  <a:rPr lang="en-GB" dirty="0"/>
-                  <a:t> </a:t>
-                </a:r>
-                <a:r>
-                  <a:rPr lang="en-GB" dirty="0" err="1"/>
-                  <a:t>sagittis</a:t>
-                </a:r>
-                <a:r>
-                  <a:rPr lang="en-GB" dirty="0"/>
-                  <a:t>, </a:t>
-                </a:r>
-                <a:r>
-                  <a:rPr lang="en-GB" dirty="0" err="1"/>
-                  <a:t>sem</a:t>
-                </a:r>
-                <a:r>
-                  <a:rPr lang="en-GB" dirty="0"/>
-                  <a:t> </a:t>
-                </a:r>
-                <a:r>
-                  <a:rPr lang="en-GB" dirty="0" err="1"/>
-                  <a:t>velit</a:t>
-                </a:r>
-                <a:r>
-                  <a:rPr lang="en-GB" dirty="0"/>
-                  <a:t> maximus </a:t>
-                </a:r>
-                <a:r>
-                  <a:rPr lang="en-GB" dirty="0" err="1"/>
-                  <a:t>augue</a:t>
-                </a:r>
-                <a:r>
-                  <a:rPr lang="en-GB" dirty="0"/>
-                  <a:t>, ac </a:t>
-                </a:r>
-                <a:r>
-                  <a:rPr lang="en-GB" dirty="0" err="1"/>
-                  <a:t>iaculis</a:t>
-                </a:r>
-                <a:r>
-                  <a:rPr lang="en-GB" dirty="0"/>
-                  <a:t> </a:t>
-                </a:r>
-                <a:r>
-                  <a:rPr lang="en-GB" dirty="0" err="1"/>
-                  <a:t>sapien</a:t>
-                </a:r>
-                <a:r>
-                  <a:rPr lang="en-GB" dirty="0"/>
-                  <a:t> nisi dictum </a:t>
-                </a:r>
-                <a:r>
-                  <a:rPr lang="en-GB" dirty="0" err="1"/>
-                  <a:t>odio</a:t>
-                </a:r>
-                <a:r>
-                  <a:rPr lang="en-GB" dirty="0"/>
-                  <a:t>. Cras </a:t>
-                </a:r>
-                <a:r>
-                  <a:rPr lang="en-GB" dirty="0" err="1"/>
-                  <a:t>placerat</a:t>
-                </a:r>
-                <a:r>
-                  <a:rPr lang="en-GB" dirty="0"/>
-                  <a:t> </a:t>
-                </a:r>
-                <a:r>
-                  <a:rPr lang="en-GB" dirty="0" err="1"/>
-                  <a:t>augue</a:t>
-                </a:r>
-                <a:r>
-                  <a:rPr lang="en-GB" dirty="0"/>
-                  <a:t> et </a:t>
-                </a:r>
-                <a:r>
-                  <a:rPr lang="en-GB" dirty="0" err="1"/>
-                  <a:t>felis</a:t>
-                </a:r>
-                <a:r>
-                  <a:rPr lang="en-GB" dirty="0"/>
-                  <a:t> </a:t>
-                </a:r>
-                <a:r>
-                  <a:rPr lang="en-GB" dirty="0" err="1"/>
-                  <a:t>tincidunt</a:t>
-                </a:r>
-                <a:r>
-                  <a:rPr lang="en-GB" dirty="0"/>
-                  <a:t> </a:t>
-                </a:r>
-                <a:r>
-                  <a:rPr lang="en-GB" dirty="0" err="1"/>
-                  <a:t>posuere</a:t>
-                </a:r>
-                <a:r>
-                  <a:rPr lang="en-GB" dirty="0"/>
-                  <a:t>. Nunc mi </a:t>
-                </a:r>
-                <a:r>
-                  <a:rPr lang="en-GB" dirty="0" err="1"/>
-                  <a:t>risus</a:t>
-                </a:r>
-                <a:r>
-                  <a:rPr lang="en-GB" dirty="0"/>
-                  <a:t>, pharetra </a:t>
-                </a:r>
-                <a:r>
-                  <a:rPr lang="en-GB" dirty="0" err="1"/>
-                  <a:t>ut</a:t>
-                </a:r>
-                <a:r>
-                  <a:rPr lang="en-GB" dirty="0"/>
-                  <a:t> pulvinar </a:t>
-                </a:r>
-                <a:r>
-                  <a:rPr lang="en-GB" dirty="0" err="1"/>
-                  <a:t>quis</a:t>
-                </a:r>
-                <a:r>
-                  <a:rPr lang="en-GB" dirty="0"/>
-                  <a:t>, semper </a:t>
-                </a:r>
-                <a:r>
-                  <a:rPr lang="en-GB" dirty="0" err="1"/>
-                  <a:t>vel</a:t>
-                </a:r>
-                <a:r>
-                  <a:rPr lang="en-GB" dirty="0"/>
-                  <a:t> eros. </a:t>
-                </a:r>
-                <a:r>
-                  <a:rPr lang="en-GB" dirty="0" err="1"/>
-                  <a:t>Vivamus</a:t>
-                </a:r>
-                <a:r>
-                  <a:rPr lang="en-GB" dirty="0"/>
-                  <a:t> </a:t>
-                </a:r>
-                <a:r>
-                  <a:rPr lang="en-GB" dirty="0" err="1"/>
-                  <a:t>sed</a:t>
-                </a:r>
-                <a:r>
-                  <a:rPr lang="en-GB" dirty="0"/>
-                  <a:t> eros at ligula </a:t>
-                </a:r>
-                <a:r>
-                  <a:rPr lang="en-GB" dirty="0" err="1"/>
-                  <a:t>placerat</a:t>
-                </a:r>
-                <a:r>
-                  <a:rPr lang="en-GB" dirty="0"/>
-                  <a:t> </a:t>
-                </a:r>
-                <a:r>
-                  <a:rPr lang="en-GB" dirty="0" err="1"/>
-                  <a:t>ornare</a:t>
-                </a:r>
-                <a:r>
-                  <a:rPr lang="en-GB" dirty="0"/>
-                  <a:t> sit </a:t>
-                </a:r>
-                <a:r>
-                  <a:rPr lang="en-GB" dirty="0" err="1"/>
-                  <a:t>amet</a:t>
-                </a:r>
-                <a:r>
-                  <a:rPr lang="en-GB" dirty="0"/>
-                  <a:t> vitae mi. Integer </a:t>
-                </a:r>
-                <a:r>
-                  <a:rPr lang="en-GB" dirty="0" err="1"/>
-                  <a:t>tristique</a:t>
-                </a:r>
-                <a:r>
-                  <a:rPr lang="en-GB" dirty="0"/>
-                  <a:t> </a:t>
-                </a:r>
-                <a:r>
-                  <a:rPr lang="en-GB" dirty="0" err="1"/>
-                  <a:t>turpis</a:t>
-                </a:r>
-                <a:r>
-                  <a:rPr lang="en-GB" dirty="0"/>
-                  <a:t> et dictum pulvinar. </a:t>
-                </a:r>
-                <a:r>
-                  <a:rPr lang="en-GB" dirty="0" err="1"/>
-                  <a:t>Orci</a:t>
-                </a:r>
-                <a:r>
-                  <a:rPr lang="en-GB" dirty="0"/>
-                  <a:t> </a:t>
-                </a:r>
-                <a:r>
-                  <a:rPr lang="en-GB" dirty="0" err="1"/>
-                  <a:t>varius</a:t>
-                </a:r>
-                <a:r>
-                  <a:rPr lang="en-GB" dirty="0"/>
-                  <a:t> </a:t>
-                </a:r>
-                <a:r>
-                  <a:rPr lang="en-GB" dirty="0" err="1"/>
-                  <a:t>natoque</a:t>
-                </a:r>
-                <a:r>
-                  <a:rPr lang="en-GB" dirty="0"/>
-                  <a:t> </a:t>
-                </a:r>
-                <a:r>
-                  <a:rPr lang="en-GB" dirty="0" err="1"/>
-                  <a:t>penatibus</a:t>
-                </a:r>
-                <a:r>
-                  <a:rPr lang="en-GB" dirty="0"/>
-                  <a:t> et </a:t>
-                </a:r>
-                <a:r>
-                  <a:rPr lang="en-GB" dirty="0" err="1"/>
-                  <a:t>magnis</a:t>
-                </a:r>
-                <a:r>
-                  <a:rPr lang="en-GB" dirty="0"/>
-                  <a:t> dis parturient </a:t>
-                </a:r>
-                <a:r>
-                  <a:rPr lang="en-GB" dirty="0" err="1"/>
-                  <a:t>montes</a:t>
-                </a:r>
-                <a:r>
-                  <a:rPr lang="en-GB" dirty="0"/>
-                  <a:t>, </a:t>
-                </a:r>
-                <a:r>
-                  <a:rPr lang="en-GB" dirty="0" err="1"/>
-                  <a:t>nascetur</a:t>
-                </a:r>
-                <a:r>
-                  <a:rPr lang="en-GB" dirty="0"/>
-                  <a:t> </a:t>
-                </a:r>
-                <a:r>
-                  <a:rPr lang="en-GB" dirty="0" err="1"/>
-                  <a:t>ridiculus</a:t>
-                </a:r>
-                <a:r>
-                  <a:rPr lang="en-GB" dirty="0"/>
-                  <a:t> mus. </a:t>
-                </a:r>
-                <a:r>
-                  <a:rPr lang="en-GB" dirty="0" err="1"/>
-                  <a:t>Aliquam</a:t>
-                </a:r>
-                <a:r>
-                  <a:rPr lang="en-GB" dirty="0"/>
-                  <a:t> </a:t>
-                </a:r>
-                <a:r>
-                  <a:rPr lang="en-GB" dirty="0" err="1"/>
-                  <a:t>facilisis</a:t>
-                </a:r>
-                <a:r>
-                  <a:rPr lang="en-GB" dirty="0"/>
-                  <a:t>, </a:t>
-                </a:r>
-                <a:r>
-                  <a:rPr lang="en-GB" dirty="0" err="1"/>
-                  <a:t>diam</a:t>
-                </a:r>
-                <a:r>
-                  <a:rPr lang="en-GB" dirty="0"/>
-                  <a:t> </a:t>
-                </a:r>
-                <a:r>
-                  <a:rPr lang="en-GB" dirty="0" err="1"/>
-                  <a:t>quis</a:t>
-                </a:r>
-                <a:r>
-                  <a:rPr lang="en-GB" dirty="0"/>
-                  <a:t> </a:t>
-                </a:r>
-                <a:r>
-                  <a:rPr lang="en-GB" dirty="0" err="1"/>
-                  <a:t>lobortis</a:t>
-                </a:r>
-                <a:r>
-                  <a:rPr lang="en-GB" dirty="0"/>
-                  <a:t> </a:t>
-                </a:r>
-                <a:r>
-                  <a:rPr lang="en-GB" dirty="0" err="1"/>
-                  <a:t>eleifend</a:t>
-                </a:r>
-                <a:r>
-                  <a:rPr lang="en-GB" dirty="0"/>
-                  <a:t>, </a:t>
-                </a:r>
-                <a:r>
-                  <a:rPr lang="en-GB" dirty="0" err="1"/>
-                  <a:t>dolor</a:t>
-                </a:r>
-                <a:r>
-                  <a:rPr lang="en-GB" dirty="0"/>
-                  <a:t> eros auctor ligula, </a:t>
-                </a:r>
-                <a:r>
-                  <a:rPr lang="en-GB" dirty="0" err="1"/>
-                  <a:t>quis</a:t>
-                </a:r>
-                <a:r>
-                  <a:rPr lang="en-GB" dirty="0"/>
-                  <a:t> </a:t>
-                </a:r>
-                <a:r>
-                  <a:rPr lang="en-GB" dirty="0" err="1"/>
-                  <a:t>bibendum</a:t>
-                </a:r>
-                <a:r>
-                  <a:rPr lang="en-GB" dirty="0"/>
-                  <a:t> eros lorem vitae </a:t>
-                </a:r>
-                <a:r>
-                  <a:rPr lang="en-GB" dirty="0" err="1"/>
-                  <a:t>mauris</a:t>
-                </a:r>
-                <a:r>
-                  <a:rPr lang="en-GB" dirty="0"/>
-                  <a:t>. </a:t>
-                </a:r>
-                <a:r>
-                  <a:rPr lang="en-GB" dirty="0" err="1"/>
-                  <a:t>Vivamus</a:t>
-                </a:r>
-                <a:r>
-                  <a:rPr lang="en-GB" dirty="0"/>
-                  <a:t> id </a:t>
-                </a:r>
-                <a:r>
-                  <a:rPr lang="en-GB" dirty="0" err="1"/>
-                  <a:t>nunc</a:t>
-                </a:r>
-                <a:r>
-                  <a:rPr lang="en-GB" dirty="0"/>
-                  <a:t> non </a:t>
-                </a:r>
-                <a:r>
-                  <a:rPr lang="en-GB" dirty="0" err="1"/>
-                  <a:t>tortor</a:t>
-                </a:r>
-                <a:r>
-                  <a:rPr lang="en-GB" dirty="0"/>
-                  <a:t> </a:t>
-                </a:r>
-                <a:r>
-                  <a:rPr lang="en-GB" dirty="0" err="1"/>
-                  <a:t>tincidunt</a:t>
-                </a:r>
-                <a:r>
-                  <a:rPr lang="en-GB" dirty="0"/>
-                  <a:t> </a:t>
-                </a:r>
-                <a:r>
-                  <a:rPr lang="en-GB" dirty="0" err="1"/>
-                  <a:t>sollicitudin</a:t>
-                </a:r>
-                <a:r>
-                  <a:rPr lang="en-GB" dirty="0"/>
-                  <a:t>. </a:t>
-                </a:r>
-              </a:p>
             </p:txBody>
           </p:sp>
         </mc:Choice>
@@ -6205,7 +5770,7 @@
             <p:spPr>
               <a:xfrm>
                 <a:off x="7811812" y="6059939"/>
-                <a:ext cx="5760000" cy="14716078"/>
+                <a:ext cx="5760000" cy="10290403"/>
               </a:xfrm>
               <a:prstGeom prst="rect">
                 <a:avLst/>
@@ -8996,14 +8561,14 @@
           <a:effectLst/>
           <a:extLst>
             <a:ext uri="{909E8E84-426E-40dd-AFC4-6F175D3DCCD1}">
-              <a14:hiddenFill xmlns="" xmlns:a14="http://schemas.microsoft.com/office/drawing/2010/main">
+              <a14:hiddenFill xmlns:a14="http://schemas.microsoft.com/office/drawing/2010/main" xmlns="">
                 <a:solidFill>
                   <a:schemeClr val="accent2"/>
                 </a:solidFill>
               </a14:hiddenFill>
             </a:ext>
             <a:ext uri="{AF507438-7753-43e0-B8FC-AC1667EBCBE1}">
-              <a14:hiddenEffects xmlns="" xmlns:a14="http://schemas.microsoft.com/office/drawing/2010/main">
+              <a14:hiddenEffects xmlns:a14="http://schemas.microsoft.com/office/drawing/2010/main" xmlns="">
                 <a:effectLst>
                   <a:outerShdw blurRad="63500" dist="35921" dir="2700000" algn="ctr" rotWithShape="0">
                     <a:schemeClr val="bg2"/>
@@ -9322,7 +8887,7 @@
                 <a:latin typeface="Arial Narrow" panose="020B0604020202020204" pitchFamily="34" charset="0"/>
                 <a:cs typeface="Arial Narrow" panose="020B0604020202020204" pitchFamily="34" charset="0"/>
               </a:rPr>
-              <a:t>2024 | Prof. Dr. Benjamin Buchwitz</a:t>
+              <a:t>2025 | Prof. Dr. Benjamin Buchwitz</a:t>
             </a:r>
           </a:p>
         </p:txBody>
@@ -10621,7 +10186,7 @@
         </p:nvSpPr>
         <p:spPr>
           <a:xfrm>
-            <a:off x="7819237" y="21017430"/>
+            <a:off x="7811812" y="23715834"/>
             <a:ext cx="5760000" cy="927666"/>
           </a:xfrm>
           <a:prstGeom prst="rect">
@@ -10828,8 +10393,8 @@
         </p:nvSpPr>
         <p:spPr>
           <a:xfrm>
-            <a:off x="7819237" y="22147787"/>
-            <a:ext cx="5760000" cy="6120000"/>
+            <a:off x="7811812" y="24846191"/>
+            <a:ext cx="5760000" cy="3421596"/>
           </a:xfrm>
           <a:prstGeom prst="rect">
             <a:avLst/>
@@ -11264,489 +10829,119 @@
             </a:r>
             <a:r>
               <a:rPr lang="de-DE" sz="2000" dirty="0"/>
+              <a:t>. Mauris </a:t>
+            </a:r>
+            <a:r>
+              <a:rPr lang="de-DE" sz="2000" dirty="0" err="1"/>
+              <a:t>sollicitudin</a:t>
+            </a:r>
+            <a:r>
+              <a:rPr lang="de-DE" sz="2000" dirty="0"/>
+              <a:t> </a:t>
+            </a:r>
+            <a:r>
+              <a:rPr lang="de-DE" sz="2000" dirty="0" err="1"/>
+              <a:t>placerat</a:t>
+            </a:r>
+            <a:r>
+              <a:rPr lang="de-DE" sz="2000" dirty="0"/>
+              <a:t> </a:t>
+            </a:r>
+            <a:r>
+              <a:rPr lang="de-DE" sz="2000" dirty="0" err="1"/>
+              <a:t>lobortis</a:t>
+            </a:r>
+            <a:r>
+              <a:rPr lang="de-DE" sz="2000" dirty="0"/>
+              <a:t>. </a:t>
+            </a:r>
+            <a:r>
+              <a:rPr lang="de-DE" sz="2000" dirty="0" err="1"/>
+              <a:t>Pellentesque</a:t>
+            </a:r>
+            <a:r>
+              <a:rPr lang="de-DE" sz="2000" dirty="0"/>
+              <a:t> at </a:t>
+            </a:r>
+            <a:r>
+              <a:rPr lang="de-DE" sz="2000" dirty="0" err="1"/>
+              <a:t>ligula</a:t>
+            </a:r>
+            <a:r>
+              <a:rPr lang="de-DE" sz="2000" dirty="0"/>
+              <a:t> </a:t>
+            </a:r>
+            <a:r>
+              <a:rPr lang="de-DE" sz="2000" dirty="0" err="1"/>
+              <a:t>leo</a:t>
+            </a:r>
+            <a:r>
+              <a:rPr lang="de-DE" sz="2000" dirty="0"/>
+              <a:t>. </a:t>
+            </a:r>
+            <a:r>
+              <a:rPr lang="de-DE" sz="2000" dirty="0" err="1"/>
+              <a:t>Ut</a:t>
+            </a:r>
+            <a:r>
+              <a:rPr lang="de-DE" sz="2000" dirty="0"/>
+              <a:t> </a:t>
+            </a:r>
+            <a:r>
+              <a:rPr lang="de-DE" sz="2000" dirty="0" err="1"/>
+              <a:t>quis</a:t>
+            </a:r>
+            <a:r>
+              <a:rPr lang="de-DE" sz="2000" dirty="0"/>
+              <a:t> </a:t>
+            </a:r>
+            <a:r>
+              <a:rPr lang="de-DE" sz="2000" dirty="0" err="1"/>
+              <a:t>hendrerit</a:t>
+            </a:r>
+            <a:r>
+              <a:rPr lang="de-DE" sz="2000" dirty="0"/>
+              <a:t> </a:t>
+            </a:r>
+            <a:r>
+              <a:rPr lang="de-DE" sz="2000" dirty="0" err="1"/>
+              <a:t>tellus</a:t>
+            </a:r>
+            <a:r>
+              <a:rPr lang="de-DE" sz="2000" dirty="0"/>
+              <a:t>, in </a:t>
+            </a:r>
+            <a:r>
+              <a:rPr lang="de-DE" sz="2000" dirty="0" err="1"/>
+              <a:t>faucibus</a:t>
+            </a:r>
+            <a:r>
+              <a:rPr lang="de-DE" sz="2000" dirty="0"/>
+              <a:t> </a:t>
+            </a:r>
+            <a:r>
+              <a:rPr lang="de-DE" sz="2000" dirty="0" err="1"/>
+              <a:t>urna</a:t>
+            </a:r>
+            <a:r>
+              <a:rPr lang="de-DE" sz="2000" dirty="0"/>
+              <a:t>. Integer </a:t>
+            </a:r>
+            <a:r>
+              <a:rPr lang="de-DE" sz="2000" dirty="0" err="1"/>
+              <a:t>congue</a:t>
+            </a:r>
+            <a:r>
+              <a:rPr lang="de-DE" sz="2000" dirty="0"/>
+              <a:t> </a:t>
+            </a:r>
+            <a:r>
+              <a:rPr lang="de-DE" sz="2000" dirty="0" err="1"/>
+              <a:t>tellus</a:t>
+            </a:r>
+            <a:r>
+              <a:rPr lang="de-DE" sz="2000" dirty="0"/>
               <a:t>.</a:t>
-            </a:r>
-          </a:p>
-          <a:p>
-            <a:pPr algn="just" defTabSz="895518">
-              <a:spcBef>
-                <a:spcPct val="50000"/>
-              </a:spcBef>
-            </a:pPr>
-            <a:r>
-              <a:rPr lang="de-DE" sz="2000" dirty="0"/>
-              <a:t>Mauris </a:t>
-            </a:r>
-            <a:r>
-              <a:rPr lang="de-DE" sz="2000" dirty="0" err="1"/>
-              <a:t>sollicitudin</a:t>
-            </a:r>
-            <a:r>
-              <a:rPr lang="de-DE" sz="2000" dirty="0"/>
-              <a:t> </a:t>
-            </a:r>
-            <a:r>
-              <a:rPr lang="de-DE" sz="2000" dirty="0" err="1"/>
-              <a:t>placerat</a:t>
-            </a:r>
-            <a:r>
-              <a:rPr lang="de-DE" sz="2000" dirty="0"/>
-              <a:t> </a:t>
-            </a:r>
-            <a:r>
-              <a:rPr lang="de-DE" sz="2000" dirty="0" err="1"/>
-              <a:t>lobortis</a:t>
-            </a:r>
-            <a:r>
-              <a:rPr lang="de-DE" sz="2000" dirty="0"/>
-              <a:t>. </a:t>
-            </a:r>
-            <a:r>
-              <a:rPr lang="de-DE" sz="2000" dirty="0" err="1"/>
-              <a:t>Pellentesque</a:t>
-            </a:r>
-            <a:r>
-              <a:rPr lang="de-DE" sz="2000" dirty="0"/>
-              <a:t> at </a:t>
-            </a:r>
-            <a:r>
-              <a:rPr lang="de-DE" sz="2000" dirty="0" err="1"/>
-              <a:t>ligula</a:t>
-            </a:r>
-            <a:r>
-              <a:rPr lang="de-DE" sz="2000" dirty="0"/>
-              <a:t> </a:t>
-            </a:r>
-            <a:r>
-              <a:rPr lang="de-DE" sz="2000" dirty="0" err="1"/>
-              <a:t>leo</a:t>
-            </a:r>
-            <a:r>
-              <a:rPr lang="de-DE" sz="2000" dirty="0"/>
-              <a:t>. </a:t>
-            </a:r>
-            <a:r>
-              <a:rPr lang="de-DE" sz="2000" dirty="0" err="1"/>
-              <a:t>Ut</a:t>
-            </a:r>
-            <a:r>
-              <a:rPr lang="de-DE" sz="2000" dirty="0"/>
-              <a:t> </a:t>
-            </a:r>
-            <a:r>
-              <a:rPr lang="de-DE" sz="2000" dirty="0" err="1"/>
-              <a:t>quis</a:t>
-            </a:r>
-            <a:r>
-              <a:rPr lang="de-DE" sz="2000" dirty="0"/>
-              <a:t> </a:t>
-            </a:r>
-            <a:r>
-              <a:rPr lang="de-DE" sz="2000" dirty="0" err="1"/>
-              <a:t>hendrerit</a:t>
-            </a:r>
-            <a:r>
-              <a:rPr lang="de-DE" sz="2000" dirty="0"/>
-              <a:t> </a:t>
-            </a:r>
-            <a:r>
-              <a:rPr lang="de-DE" sz="2000" dirty="0" err="1"/>
-              <a:t>tellus</a:t>
-            </a:r>
-            <a:r>
-              <a:rPr lang="de-DE" sz="2000" dirty="0"/>
-              <a:t>, in </a:t>
-            </a:r>
-            <a:r>
-              <a:rPr lang="de-DE" sz="2000" dirty="0" err="1"/>
-              <a:t>faucibus</a:t>
-            </a:r>
-            <a:r>
-              <a:rPr lang="de-DE" sz="2000" dirty="0"/>
-              <a:t> </a:t>
-            </a:r>
-            <a:r>
-              <a:rPr lang="de-DE" sz="2000" dirty="0" err="1"/>
-              <a:t>urna</a:t>
-            </a:r>
-            <a:r>
-              <a:rPr lang="de-DE" sz="2000" dirty="0"/>
-              <a:t>. Integer </a:t>
-            </a:r>
-            <a:r>
-              <a:rPr lang="de-DE" sz="2000" dirty="0" err="1"/>
-              <a:t>congue</a:t>
-            </a:r>
-            <a:r>
-              <a:rPr lang="de-DE" sz="2000" dirty="0"/>
-              <a:t> </a:t>
-            </a:r>
-            <a:r>
-              <a:rPr lang="de-DE" sz="2000" dirty="0" err="1"/>
-              <a:t>tellus</a:t>
-            </a:r>
-            <a:r>
-              <a:rPr lang="de-DE" sz="2000" dirty="0"/>
-              <a:t> </a:t>
-            </a:r>
-            <a:r>
-              <a:rPr lang="de-DE" sz="2000" dirty="0" err="1"/>
-              <a:t>vitae</a:t>
-            </a:r>
-            <a:r>
-              <a:rPr lang="de-DE" sz="2000" dirty="0"/>
-              <a:t> </a:t>
-            </a:r>
-            <a:r>
-              <a:rPr lang="de-DE" sz="2000" dirty="0" err="1"/>
-              <a:t>condimentum</a:t>
-            </a:r>
-            <a:r>
-              <a:rPr lang="de-DE" sz="2000" dirty="0"/>
-              <a:t> </a:t>
-            </a:r>
-            <a:r>
-              <a:rPr lang="de-DE" sz="2000" dirty="0" err="1"/>
-              <a:t>pellentesque</a:t>
-            </a:r>
-            <a:r>
-              <a:rPr lang="de-DE" sz="2000" dirty="0"/>
-              <a:t>. Duis </a:t>
-            </a:r>
-            <a:r>
-              <a:rPr lang="de-DE" sz="2000" dirty="0" err="1"/>
-              <a:t>ac</a:t>
-            </a:r>
-            <a:r>
-              <a:rPr lang="de-DE" sz="2000" dirty="0"/>
-              <a:t> ante </a:t>
-            </a:r>
-            <a:r>
-              <a:rPr lang="de-DE" sz="2000" dirty="0" err="1"/>
-              <a:t>nec</a:t>
-            </a:r>
-            <a:r>
-              <a:rPr lang="de-DE" sz="2000" dirty="0"/>
-              <a:t> ex </a:t>
-            </a:r>
-            <a:r>
-              <a:rPr lang="de-DE" sz="2000" dirty="0" err="1"/>
-              <a:t>porttitor</a:t>
-            </a:r>
-            <a:r>
-              <a:rPr lang="de-DE" sz="2000" dirty="0"/>
-              <a:t> </a:t>
-            </a:r>
-            <a:r>
-              <a:rPr lang="de-DE" sz="2000" dirty="0" err="1"/>
-              <a:t>rhoncus</a:t>
-            </a:r>
-            <a:r>
-              <a:rPr lang="de-DE" sz="2000" dirty="0"/>
-              <a:t> in </a:t>
-            </a:r>
-            <a:r>
-              <a:rPr lang="de-DE" sz="2000" dirty="0" err="1"/>
-              <a:t>eget</a:t>
-            </a:r>
-            <a:r>
-              <a:rPr lang="de-DE" sz="2000" dirty="0"/>
-              <a:t> </a:t>
-            </a:r>
-            <a:r>
-              <a:rPr lang="de-DE" sz="2000" dirty="0" err="1"/>
-              <a:t>augue</a:t>
-            </a:r>
-            <a:r>
-              <a:rPr lang="de-DE" sz="2000" dirty="0"/>
-              <a:t>. </a:t>
-            </a:r>
-            <a:r>
-              <a:rPr lang="de-DE" sz="2000" dirty="0" err="1"/>
-              <a:t>Fusce</a:t>
-            </a:r>
-            <a:r>
-              <a:rPr lang="de-DE" sz="2000" dirty="0"/>
-              <a:t> </a:t>
-            </a:r>
-            <a:r>
-              <a:rPr lang="de-DE" sz="2000" dirty="0" err="1"/>
-              <a:t>laoreet</a:t>
-            </a:r>
-            <a:r>
-              <a:rPr lang="de-DE" sz="2000" dirty="0"/>
-              <a:t> </a:t>
-            </a:r>
-            <a:r>
-              <a:rPr lang="de-DE" sz="2000" dirty="0" err="1"/>
-              <a:t>aliquet</a:t>
-            </a:r>
-            <a:r>
-              <a:rPr lang="de-DE" sz="2000" dirty="0"/>
-              <a:t> ante </a:t>
-            </a:r>
-            <a:r>
-              <a:rPr lang="de-DE" sz="2000" dirty="0" err="1"/>
-              <a:t>ut</a:t>
-            </a:r>
-            <a:r>
-              <a:rPr lang="de-DE" sz="2000" dirty="0"/>
-              <a:t> </a:t>
-            </a:r>
-            <a:r>
-              <a:rPr lang="de-DE" sz="2000" dirty="0" err="1"/>
-              <a:t>vehicula</a:t>
-            </a:r>
-            <a:r>
-              <a:rPr lang="de-DE" sz="2000" dirty="0"/>
-              <a:t>. </a:t>
-            </a:r>
-            <a:r>
-              <a:rPr lang="de-DE" sz="2000" dirty="0" err="1"/>
-              <a:t>Nullam</a:t>
-            </a:r>
-            <a:r>
-              <a:rPr lang="de-DE" sz="2000" dirty="0"/>
-              <a:t> </a:t>
-            </a:r>
-            <a:r>
-              <a:rPr lang="de-DE" sz="2000" dirty="0" err="1"/>
-              <a:t>quis</a:t>
-            </a:r>
-            <a:r>
-              <a:rPr lang="de-DE" sz="2000" dirty="0"/>
-              <a:t> </a:t>
-            </a:r>
-            <a:r>
-              <a:rPr lang="de-DE" sz="2000" dirty="0" err="1"/>
-              <a:t>sodales</a:t>
-            </a:r>
-            <a:r>
-              <a:rPr lang="de-DE" sz="2000" dirty="0"/>
-              <a:t> ante, </a:t>
-            </a:r>
-            <a:r>
-              <a:rPr lang="de-DE" sz="2000" dirty="0" err="1"/>
-              <a:t>id</a:t>
-            </a:r>
-            <a:r>
-              <a:rPr lang="de-DE" sz="2000" dirty="0"/>
-              <a:t> </a:t>
-            </a:r>
-            <a:r>
-              <a:rPr lang="de-DE" sz="2000" dirty="0" err="1"/>
-              <a:t>posuere</a:t>
-            </a:r>
-            <a:r>
-              <a:rPr lang="de-DE" sz="2000" dirty="0"/>
-              <a:t> </a:t>
-            </a:r>
-            <a:r>
-              <a:rPr lang="de-DE" sz="2000" dirty="0" err="1"/>
-              <a:t>elit</a:t>
-            </a:r>
-            <a:r>
-              <a:rPr lang="de-DE" sz="2000" dirty="0"/>
-              <a:t>.</a:t>
-            </a:r>
-          </a:p>
-          <a:p>
-            <a:pPr algn="just" defTabSz="895518">
-              <a:spcBef>
-                <a:spcPct val="50000"/>
-              </a:spcBef>
-            </a:pPr>
-            <a:r>
-              <a:rPr lang="de-DE" sz="2000" dirty="0" err="1"/>
-              <a:t>Nullam</a:t>
-            </a:r>
-            <a:r>
-              <a:rPr lang="de-DE" sz="2000" dirty="0"/>
-              <a:t> et </a:t>
-            </a:r>
-            <a:r>
-              <a:rPr lang="de-DE" sz="2000" dirty="0" err="1"/>
-              <a:t>sollicitudin</a:t>
-            </a:r>
-            <a:r>
-              <a:rPr lang="de-DE" sz="2000" dirty="0"/>
-              <a:t> erat, </a:t>
-            </a:r>
-            <a:r>
-              <a:rPr lang="de-DE" sz="2000" dirty="0" err="1"/>
-              <a:t>vel</a:t>
-            </a:r>
-            <a:r>
-              <a:rPr lang="de-DE" sz="2000" dirty="0"/>
-              <a:t> </a:t>
-            </a:r>
-            <a:r>
-              <a:rPr lang="de-DE" sz="2000" dirty="0" err="1"/>
-              <a:t>lacinia</a:t>
-            </a:r>
-            <a:r>
-              <a:rPr lang="de-DE" sz="2000" dirty="0"/>
-              <a:t> </a:t>
-            </a:r>
-            <a:r>
-              <a:rPr lang="de-DE" sz="2000" dirty="0" err="1"/>
-              <a:t>elit</a:t>
-            </a:r>
-            <a:r>
-              <a:rPr lang="de-DE" sz="2000" dirty="0"/>
-              <a:t>. </a:t>
-            </a:r>
-            <a:r>
-              <a:rPr lang="de-DE" sz="2000" dirty="0" err="1"/>
-              <a:t>Quisque</a:t>
-            </a:r>
-            <a:r>
-              <a:rPr lang="de-DE" sz="2000" dirty="0"/>
-              <a:t> </a:t>
-            </a:r>
-            <a:r>
-              <a:rPr lang="de-DE" sz="2000" dirty="0" err="1"/>
-              <a:t>condimentum</a:t>
-            </a:r>
-            <a:r>
-              <a:rPr lang="de-DE" sz="2000" dirty="0"/>
-              <a:t> </a:t>
-            </a:r>
-            <a:r>
-              <a:rPr lang="de-DE" sz="2000" dirty="0" err="1"/>
-              <a:t>nibh</a:t>
-            </a:r>
-            <a:r>
-              <a:rPr lang="de-DE" sz="2000" dirty="0"/>
-              <a:t> </a:t>
-            </a:r>
-            <a:r>
-              <a:rPr lang="de-DE" sz="2000" dirty="0" err="1"/>
-              <a:t>sapien</a:t>
-            </a:r>
-            <a:r>
-              <a:rPr lang="de-DE" sz="2000" dirty="0"/>
-              <a:t>, </a:t>
-            </a:r>
-            <a:r>
-              <a:rPr lang="de-DE" sz="2000" dirty="0" err="1"/>
-              <a:t>eu</a:t>
-            </a:r>
-            <a:r>
-              <a:rPr lang="de-DE" sz="2000" dirty="0"/>
-              <a:t> </a:t>
-            </a:r>
-            <a:r>
-              <a:rPr lang="de-DE" sz="2000" dirty="0" err="1"/>
-              <a:t>venenatis</a:t>
-            </a:r>
-            <a:r>
-              <a:rPr lang="de-DE" sz="2000" dirty="0"/>
-              <a:t> </a:t>
-            </a:r>
-            <a:r>
-              <a:rPr lang="de-DE" sz="2000" dirty="0" err="1"/>
-              <a:t>nunc</a:t>
-            </a:r>
-            <a:r>
-              <a:rPr lang="de-DE" sz="2000" dirty="0"/>
-              <a:t> </a:t>
-            </a:r>
-            <a:r>
-              <a:rPr lang="de-DE" sz="2000" dirty="0" err="1"/>
-              <a:t>hendrerit</a:t>
-            </a:r>
-            <a:r>
-              <a:rPr lang="de-DE" sz="2000" dirty="0"/>
-              <a:t> non. Mauris </a:t>
-            </a:r>
-            <a:r>
-              <a:rPr lang="de-DE" sz="2000" dirty="0" err="1"/>
-              <a:t>rhoncus</a:t>
-            </a:r>
-            <a:r>
-              <a:rPr lang="de-DE" sz="2000" dirty="0"/>
-              <a:t> </a:t>
-            </a:r>
-            <a:r>
-              <a:rPr lang="de-DE" sz="2000" dirty="0" err="1"/>
-              <a:t>aliquet</a:t>
-            </a:r>
-            <a:r>
-              <a:rPr lang="de-DE" sz="2000" dirty="0"/>
-              <a:t> erat </a:t>
-            </a:r>
-            <a:r>
-              <a:rPr lang="de-DE" sz="2000" dirty="0" err="1"/>
-              <a:t>eget</a:t>
-            </a:r>
-            <a:r>
-              <a:rPr lang="de-DE" sz="2000" dirty="0"/>
-              <a:t> </a:t>
-            </a:r>
-            <a:r>
-              <a:rPr lang="de-DE" sz="2000" dirty="0" err="1"/>
-              <a:t>placerat</a:t>
-            </a:r>
-            <a:r>
-              <a:rPr lang="de-DE" sz="2000" dirty="0"/>
-              <a:t>. </a:t>
-            </a:r>
-            <a:r>
-              <a:rPr lang="de-DE" sz="2000" dirty="0" err="1"/>
-              <a:t>Donec</a:t>
-            </a:r>
-            <a:r>
-              <a:rPr lang="de-DE" sz="2000" dirty="0"/>
-              <a:t> </a:t>
-            </a:r>
-            <a:r>
-              <a:rPr lang="de-DE" sz="2000" dirty="0" err="1"/>
-              <a:t>sit</a:t>
-            </a:r>
-            <a:r>
-              <a:rPr lang="de-DE" sz="2000" dirty="0"/>
-              <a:t> </a:t>
-            </a:r>
-            <a:r>
-              <a:rPr lang="de-DE" sz="2000" dirty="0" err="1"/>
-              <a:t>amet</a:t>
-            </a:r>
-            <a:r>
-              <a:rPr lang="de-DE" sz="2000" dirty="0"/>
-              <a:t> </a:t>
-            </a:r>
-            <a:r>
-              <a:rPr lang="de-DE" sz="2000" dirty="0" err="1"/>
-              <a:t>aliquam</a:t>
-            </a:r>
-            <a:r>
-              <a:rPr lang="de-DE" sz="2000" dirty="0"/>
-              <a:t> mi, </a:t>
-            </a:r>
-            <a:r>
-              <a:rPr lang="de-DE" sz="2000" dirty="0" err="1"/>
-              <a:t>id</a:t>
-            </a:r>
-            <a:r>
-              <a:rPr lang="de-DE" sz="2000" dirty="0"/>
-              <a:t> </a:t>
-            </a:r>
-            <a:r>
-              <a:rPr lang="de-DE" sz="2000" dirty="0" err="1"/>
-              <a:t>molestie</a:t>
-            </a:r>
-            <a:r>
-              <a:rPr lang="de-DE" sz="2000" dirty="0"/>
-              <a:t> </a:t>
-            </a:r>
-            <a:r>
-              <a:rPr lang="de-DE" sz="2000" dirty="0" err="1"/>
-              <a:t>elit</a:t>
-            </a:r>
-            <a:r>
-              <a:rPr lang="de-DE" sz="2000" dirty="0"/>
-              <a:t>. </a:t>
             </a:r>
           </a:p>
         </p:txBody>
@@ -15130,6 +14325,1223 @@
           </a:p>
         </p:txBody>
       </p:sp>
+      <p:sp>
+        <p:nvSpPr>
+          <p:cNvPr id="2" name="Text Placeholder 2">
+            <a:extLst>
+              <a:ext uri="{FF2B5EF4-FFF2-40B4-BE49-F238E27FC236}">
+                <a16:creationId xmlns:a16="http://schemas.microsoft.com/office/drawing/2014/main" id="{4D81B4D4-2E25-FC25-D2F2-A5C51BBCE1C0}"/>
+              </a:ext>
+            </a:extLst>
+          </p:cNvPr>
+          <p:cNvSpPr txBox="1">
+            <a:spLocks noChangeAspect="1"/>
+          </p:cNvSpPr>
+          <p:nvPr/>
+        </p:nvSpPr>
+        <p:spPr>
+          <a:xfrm>
+            <a:off x="7811812" y="16553033"/>
+            <a:ext cx="5760000" cy="927666"/>
+          </a:xfrm>
+          <a:prstGeom prst="rect">
+            <a:avLst/>
+          </a:prstGeom>
+          <a:solidFill>
+            <a:srgbClr val="00509B"/>
+          </a:solidFill>
+        </p:spPr>
+        <p:txBody>
+          <a:bodyPr vert="horz" lIns="360000" tIns="46800" rIns="108000" bIns="45720" numCol="1" rtlCol="0" anchor="ctr">
+            <a:normAutofit/>
+          </a:bodyPr>
+          <a:lstStyle>
+            <a:lvl1pPr marL="0" indent="0" algn="ctr" defTabSz="2138324" rtl="0" eaLnBrk="1" latinLnBrk="0" hangingPunct="1">
+              <a:lnSpc>
+                <a:spcPct val="90000"/>
+              </a:lnSpc>
+              <a:spcBef>
+                <a:spcPts val="2339"/>
+              </a:spcBef>
+              <a:buFont typeface="Arial" panose="020B0604020202020204" pitchFamily="34" charset="0"/>
+              <a:buNone/>
+              <a:defRPr sz="5612" kern="1200">
+                <a:solidFill>
+                  <a:schemeClr val="tx1"/>
+                </a:solidFill>
+                <a:latin typeface="Arial" panose="020B0604020202020204" pitchFamily="34" charset="0"/>
+                <a:ea typeface="+mn-ea"/>
+                <a:cs typeface="Arial" panose="020B0604020202020204" pitchFamily="34" charset="0"/>
+              </a:defRPr>
+            </a:lvl1pPr>
+            <a:lvl2pPr marL="1069162" indent="0" algn="ctr" defTabSz="2138324" rtl="0" eaLnBrk="1" latinLnBrk="0" hangingPunct="1">
+              <a:lnSpc>
+                <a:spcPct val="90000"/>
+              </a:lnSpc>
+              <a:spcBef>
+                <a:spcPts val="1169"/>
+              </a:spcBef>
+              <a:buFont typeface="Arial" panose="020B0604020202020204" pitchFamily="34" charset="0"/>
+              <a:buNone/>
+              <a:defRPr sz="4677" kern="1200">
+                <a:solidFill>
+                  <a:schemeClr val="tx1"/>
+                </a:solidFill>
+                <a:latin typeface="Arial" panose="020B0604020202020204" pitchFamily="34" charset="0"/>
+                <a:ea typeface="+mn-ea"/>
+                <a:cs typeface="Arial" panose="020B0604020202020204" pitchFamily="34" charset="0"/>
+              </a:defRPr>
+            </a:lvl2pPr>
+            <a:lvl3pPr marL="2138324" indent="0" algn="ctr" defTabSz="2138324" rtl="0" eaLnBrk="1" latinLnBrk="0" hangingPunct="1">
+              <a:lnSpc>
+                <a:spcPct val="90000"/>
+              </a:lnSpc>
+              <a:spcBef>
+                <a:spcPts val="1169"/>
+              </a:spcBef>
+              <a:buFont typeface="Arial" panose="020B0604020202020204" pitchFamily="34" charset="0"/>
+              <a:buNone/>
+              <a:defRPr sz="4209" kern="1200">
+                <a:solidFill>
+                  <a:schemeClr val="tx1"/>
+                </a:solidFill>
+                <a:latin typeface="Arial" panose="020B0604020202020204" pitchFamily="34" charset="0"/>
+                <a:ea typeface="+mn-ea"/>
+                <a:cs typeface="Arial" panose="020B0604020202020204" pitchFamily="34" charset="0"/>
+              </a:defRPr>
+            </a:lvl3pPr>
+            <a:lvl4pPr marL="3207487" indent="0" algn="ctr" defTabSz="2138324" rtl="0" eaLnBrk="1" latinLnBrk="0" hangingPunct="1">
+              <a:lnSpc>
+                <a:spcPct val="90000"/>
+              </a:lnSpc>
+              <a:spcBef>
+                <a:spcPts val="1169"/>
+              </a:spcBef>
+              <a:buFont typeface="Arial" panose="020B0604020202020204" pitchFamily="34" charset="0"/>
+              <a:buNone/>
+              <a:defRPr sz="3742" kern="1200">
+                <a:solidFill>
+                  <a:schemeClr val="tx1"/>
+                </a:solidFill>
+                <a:latin typeface="Arial" panose="020B0604020202020204" pitchFamily="34" charset="0"/>
+                <a:ea typeface="+mn-ea"/>
+                <a:cs typeface="Arial" panose="020B0604020202020204" pitchFamily="34" charset="0"/>
+              </a:defRPr>
+            </a:lvl4pPr>
+            <a:lvl5pPr marL="4276649" indent="0" algn="ctr" defTabSz="2138324" rtl="0" eaLnBrk="1" latinLnBrk="0" hangingPunct="1">
+              <a:lnSpc>
+                <a:spcPct val="90000"/>
+              </a:lnSpc>
+              <a:spcBef>
+                <a:spcPts val="1169"/>
+              </a:spcBef>
+              <a:buFont typeface="Arial" panose="020B0604020202020204" pitchFamily="34" charset="0"/>
+              <a:buNone/>
+              <a:defRPr sz="3742" kern="1200">
+                <a:solidFill>
+                  <a:schemeClr val="tx1"/>
+                </a:solidFill>
+                <a:latin typeface="Arial" panose="020B0604020202020204" pitchFamily="34" charset="0"/>
+                <a:ea typeface="+mn-ea"/>
+                <a:cs typeface="Arial" panose="020B0604020202020204" pitchFamily="34" charset="0"/>
+              </a:defRPr>
+            </a:lvl5pPr>
+            <a:lvl6pPr marL="5345811" indent="0" algn="ctr" defTabSz="2138324" rtl="0" eaLnBrk="1" latinLnBrk="0" hangingPunct="1">
+              <a:lnSpc>
+                <a:spcPct val="90000"/>
+              </a:lnSpc>
+              <a:spcBef>
+                <a:spcPts val="1169"/>
+              </a:spcBef>
+              <a:buFont typeface="Arial" panose="020B0604020202020204" pitchFamily="34" charset="0"/>
+              <a:buNone/>
+              <a:defRPr sz="3742" kern="1200">
+                <a:solidFill>
+                  <a:schemeClr val="tx1"/>
+                </a:solidFill>
+                <a:latin typeface="+mn-lt"/>
+                <a:ea typeface="+mn-ea"/>
+                <a:cs typeface="+mn-cs"/>
+              </a:defRPr>
+            </a:lvl6pPr>
+            <a:lvl7pPr marL="6414973" indent="0" algn="ctr" defTabSz="2138324" rtl="0" eaLnBrk="1" latinLnBrk="0" hangingPunct="1">
+              <a:lnSpc>
+                <a:spcPct val="90000"/>
+              </a:lnSpc>
+              <a:spcBef>
+                <a:spcPts val="1169"/>
+              </a:spcBef>
+              <a:buFont typeface="Arial" panose="020B0604020202020204" pitchFamily="34" charset="0"/>
+              <a:buNone/>
+              <a:defRPr sz="3742" kern="1200">
+                <a:solidFill>
+                  <a:schemeClr val="tx1"/>
+                </a:solidFill>
+                <a:latin typeface="+mn-lt"/>
+                <a:ea typeface="+mn-ea"/>
+                <a:cs typeface="+mn-cs"/>
+              </a:defRPr>
+            </a:lvl7pPr>
+            <a:lvl8pPr marL="7484135" indent="0" algn="ctr" defTabSz="2138324" rtl="0" eaLnBrk="1" latinLnBrk="0" hangingPunct="1">
+              <a:lnSpc>
+                <a:spcPct val="90000"/>
+              </a:lnSpc>
+              <a:spcBef>
+                <a:spcPts val="1169"/>
+              </a:spcBef>
+              <a:buFont typeface="Arial" panose="020B0604020202020204" pitchFamily="34" charset="0"/>
+              <a:buNone/>
+              <a:defRPr sz="3742" kern="1200">
+                <a:solidFill>
+                  <a:schemeClr val="tx1"/>
+                </a:solidFill>
+                <a:latin typeface="+mn-lt"/>
+                <a:ea typeface="+mn-ea"/>
+                <a:cs typeface="+mn-cs"/>
+              </a:defRPr>
+            </a:lvl8pPr>
+            <a:lvl9pPr marL="8553298" indent="0" algn="ctr" defTabSz="2138324" rtl="0" eaLnBrk="1" latinLnBrk="0" hangingPunct="1">
+              <a:lnSpc>
+                <a:spcPct val="90000"/>
+              </a:lnSpc>
+              <a:spcBef>
+                <a:spcPts val="1169"/>
+              </a:spcBef>
+              <a:buFont typeface="Arial" panose="020B0604020202020204" pitchFamily="34" charset="0"/>
+              <a:buNone/>
+              <a:defRPr sz="3742" kern="1200">
+                <a:solidFill>
+                  <a:schemeClr val="tx1"/>
+                </a:solidFill>
+                <a:latin typeface="+mn-lt"/>
+                <a:ea typeface="+mn-ea"/>
+                <a:cs typeface="+mn-cs"/>
+              </a:defRPr>
+            </a:lvl9pPr>
+          </a:lstStyle>
+          <a:p>
+            <a:pPr algn="l"/>
+            <a:r>
+              <a:rPr lang="de-DE" sz="3200" b="1" dirty="0">
+                <a:solidFill>
+                  <a:schemeClr val="bg1"/>
+                </a:solidFill>
+              </a:rPr>
+              <a:t>Programmcode</a:t>
+            </a:r>
+          </a:p>
+        </p:txBody>
+      </p:sp>
+      <p:sp>
+        <p:nvSpPr>
+          <p:cNvPr id="3" name="Text Placeholder 2">
+            <a:extLst>
+              <a:ext uri="{FF2B5EF4-FFF2-40B4-BE49-F238E27FC236}">
+                <a16:creationId xmlns:a16="http://schemas.microsoft.com/office/drawing/2014/main" id="{B464C614-4E52-2179-F81D-8FF64A230BF0}"/>
+              </a:ext>
+            </a:extLst>
+          </p:cNvPr>
+          <p:cNvSpPr txBox="1">
+            <a:spLocks/>
+          </p:cNvSpPr>
+          <p:nvPr/>
+        </p:nvSpPr>
+        <p:spPr>
+          <a:xfrm>
+            <a:off x="7811812" y="17683390"/>
+            <a:ext cx="5760000" cy="5829753"/>
+          </a:xfrm>
+          <a:prstGeom prst="rect">
+            <a:avLst/>
+          </a:prstGeom>
+          <a:solidFill>
+            <a:schemeClr val="bg1">
+              <a:lumMod val="95000"/>
+            </a:schemeClr>
+          </a:solidFill>
+        </p:spPr>
+        <p:txBody>
+          <a:bodyPr vert="horz" lIns="360000" tIns="360000" rIns="360000" bIns="360000" numCol="1" rtlCol="0">
+            <a:noAutofit/>
+          </a:bodyPr>
+          <a:lstStyle>
+            <a:lvl1pPr marL="0" indent="0" algn="ctr" defTabSz="2138324" rtl="0" eaLnBrk="1" latinLnBrk="0" hangingPunct="1">
+              <a:lnSpc>
+                <a:spcPct val="90000"/>
+              </a:lnSpc>
+              <a:spcBef>
+                <a:spcPts val="2339"/>
+              </a:spcBef>
+              <a:buFont typeface="Arial" panose="020B0604020202020204" pitchFamily="34" charset="0"/>
+              <a:buNone/>
+              <a:defRPr sz="5612" kern="1200">
+                <a:solidFill>
+                  <a:schemeClr val="tx1"/>
+                </a:solidFill>
+                <a:latin typeface="Arial" panose="020B0604020202020204" pitchFamily="34" charset="0"/>
+                <a:ea typeface="+mn-ea"/>
+                <a:cs typeface="Arial" panose="020B0604020202020204" pitchFamily="34" charset="0"/>
+              </a:defRPr>
+            </a:lvl1pPr>
+            <a:lvl2pPr marL="1069162" indent="0" algn="ctr" defTabSz="2138324" rtl="0" eaLnBrk="1" latinLnBrk="0" hangingPunct="1">
+              <a:lnSpc>
+                <a:spcPct val="90000"/>
+              </a:lnSpc>
+              <a:spcBef>
+                <a:spcPts val="1169"/>
+              </a:spcBef>
+              <a:buFont typeface="Arial" panose="020B0604020202020204" pitchFamily="34" charset="0"/>
+              <a:buNone/>
+              <a:defRPr sz="4677" kern="1200">
+                <a:solidFill>
+                  <a:schemeClr val="tx1"/>
+                </a:solidFill>
+                <a:latin typeface="Arial" panose="020B0604020202020204" pitchFamily="34" charset="0"/>
+                <a:ea typeface="+mn-ea"/>
+                <a:cs typeface="Arial" panose="020B0604020202020204" pitchFamily="34" charset="0"/>
+              </a:defRPr>
+            </a:lvl2pPr>
+            <a:lvl3pPr marL="2138324" indent="0" algn="ctr" defTabSz="2138324" rtl="0" eaLnBrk="1" latinLnBrk="0" hangingPunct="1">
+              <a:lnSpc>
+                <a:spcPct val="90000"/>
+              </a:lnSpc>
+              <a:spcBef>
+                <a:spcPts val="1169"/>
+              </a:spcBef>
+              <a:buFont typeface="Arial" panose="020B0604020202020204" pitchFamily="34" charset="0"/>
+              <a:buNone/>
+              <a:defRPr sz="4209" kern="1200">
+                <a:solidFill>
+                  <a:schemeClr val="tx1"/>
+                </a:solidFill>
+                <a:latin typeface="Arial" panose="020B0604020202020204" pitchFamily="34" charset="0"/>
+                <a:ea typeface="+mn-ea"/>
+                <a:cs typeface="Arial" panose="020B0604020202020204" pitchFamily="34" charset="0"/>
+              </a:defRPr>
+            </a:lvl3pPr>
+            <a:lvl4pPr marL="3207487" indent="0" algn="ctr" defTabSz="2138324" rtl="0" eaLnBrk="1" latinLnBrk="0" hangingPunct="1">
+              <a:lnSpc>
+                <a:spcPct val="90000"/>
+              </a:lnSpc>
+              <a:spcBef>
+                <a:spcPts val="1169"/>
+              </a:spcBef>
+              <a:buFont typeface="Arial" panose="020B0604020202020204" pitchFamily="34" charset="0"/>
+              <a:buNone/>
+              <a:defRPr sz="3742" kern="1200">
+                <a:solidFill>
+                  <a:schemeClr val="tx1"/>
+                </a:solidFill>
+                <a:latin typeface="Arial" panose="020B0604020202020204" pitchFamily="34" charset="0"/>
+                <a:ea typeface="+mn-ea"/>
+                <a:cs typeface="Arial" panose="020B0604020202020204" pitchFamily="34" charset="0"/>
+              </a:defRPr>
+            </a:lvl4pPr>
+            <a:lvl5pPr marL="4276649" indent="0" algn="ctr" defTabSz="2138324" rtl="0" eaLnBrk="1" latinLnBrk="0" hangingPunct="1">
+              <a:lnSpc>
+                <a:spcPct val="90000"/>
+              </a:lnSpc>
+              <a:spcBef>
+                <a:spcPts val="1169"/>
+              </a:spcBef>
+              <a:buFont typeface="Arial" panose="020B0604020202020204" pitchFamily="34" charset="0"/>
+              <a:buNone/>
+              <a:defRPr sz="3742" kern="1200">
+                <a:solidFill>
+                  <a:schemeClr val="tx1"/>
+                </a:solidFill>
+                <a:latin typeface="Arial" panose="020B0604020202020204" pitchFamily="34" charset="0"/>
+                <a:ea typeface="+mn-ea"/>
+                <a:cs typeface="Arial" panose="020B0604020202020204" pitchFamily="34" charset="0"/>
+              </a:defRPr>
+            </a:lvl5pPr>
+            <a:lvl6pPr marL="5345811" indent="0" algn="ctr" defTabSz="2138324" rtl="0" eaLnBrk="1" latinLnBrk="0" hangingPunct="1">
+              <a:lnSpc>
+                <a:spcPct val="90000"/>
+              </a:lnSpc>
+              <a:spcBef>
+                <a:spcPts val="1169"/>
+              </a:spcBef>
+              <a:buFont typeface="Arial" panose="020B0604020202020204" pitchFamily="34" charset="0"/>
+              <a:buNone/>
+              <a:defRPr sz="3742" kern="1200">
+                <a:solidFill>
+                  <a:schemeClr val="tx1"/>
+                </a:solidFill>
+                <a:latin typeface="+mn-lt"/>
+                <a:ea typeface="+mn-ea"/>
+                <a:cs typeface="+mn-cs"/>
+              </a:defRPr>
+            </a:lvl6pPr>
+            <a:lvl7pPr marL="6414973" indent="0" algn="ctr" defTabSz="2138324" rtl="0" eaLnBrk="1" latinLnBrk="0" hangingPunct="1">
+              <a:lnSpc>
+                <a:spcPct val="90000"/>
+              </a:lnSpc>
+              <a:spcBef>
+                <a:spcPts val="1169"/>
+              </a:spcBef>
+              <a:buFont typeface="Arial" panose="020B0604020202020204" pitchFamily="34" charset="0"/>
+              <a:buNone/>
+              <a:defRPr sz="3742" kern="1200">
+                <a:solidFill>
+                  <a:schemeClr val="tx1"/>
+                </a:solidFill>
+                <a:latin typeface="+mn-lt"/>
+                <a:ea typeface="+mn-ea"/>
+                <a:cs typeface="+mn-cs"/>
+              </a:defRPr>
+            </a:lvl7pPr>
+            <a:lvl8pPr marL="7484135" indent="0" algn="ctr" defTabSz="2138324" rtl="0" eaLnBrk="1" latinLnBrk="0" hangingPunct="1">
+              <a:lnSpc>
+                <a:spcPct val="90000"/>
+              </a:lnSpc>
+              <a:spcBef>
+                <a:spcPts val="1169"/>
+              </a:spcBef>
+              <a:buFont typeface="Arial" panose="020B0604020202020204" pitchFamily="34" charset="0"/>
+              <a:buNone/>
+              <a:defRPr sz="3742" kern="1200">
+                <a:solidFill>
+                  <a:schemeClr val="tx1"/>
+                </a:solidFill>
+                <a:latin typeface="+mn-lt"/>
+                <a:ea typeface="+mn-ea"/>
+                <a:cs typeface="+mn-cs"/>
+              </a:defRPr>
+            </a:lvl8pPr>
+            <a:lvl9pPr marL="8553298" indent="0" algn="ctr" defTabSz="2138324" rtl="0" eaLnBrk="1" latinLnBrk="0" hangingPunct="1">
+              <a:lnSpc>
+                <a:spcPct val="90000"/>
+              </a:lnSpc>
+              <a:spcBef>
+                <a:spcPts val="1169"/>
+              </a:spcBef>
+              <a:buFont typeface="Arial" panose="020B0604020202020204" pitchFamily="34" charset="0"/>
+              <a:buNone/>
+              <a:defRPr sz="3742" kern="1200">
+                <a:solidFill>
+                  <a:schemeClr val="tx1"/>
+                </a:solidFill>
+                <a:latin typeface="+mn-lt"/>
+                <a:ea typeface="+mn-ea"/>
+                <a:cs typeface="+mn-cs"/>
+              </a:defRPr>
+            </a:lvl9pPr>
+          </a:lstStyle>
+          <a:p>
+            <a:pPr algn="just" defTabSz="895518">
+              <a:spcBef>
+                <a:spcPct val="50000"/>
+              </a:spcBef>
+            </a:pPr>
+            <a:r>
+              <a:rPr lang="de-DE" sz="2000" dirty="0" err="1"/>
+              <a:t>Fusce</a:t>
+            </a:r>
+            <a:r>
+              <a:rPr lang="de-DE" sz="2000" dirty="0"/>
+              <a:t> </a:t>
+            </a:r>
+            <a:r>
+              <a:rPr lang="de-DE" sz="2000" dirty="0" err="1"/>
+              <a:t>facilisis</a:t>
+            </a:r>
+            <a:r>
+              <a:rPr lang="de-DE" sz="2000" dirty="0"/>
+              <a:t> </a:t>
+            </a:r>
+            <a:r>
+              <a:rPr lang="de-DE" sz="2000" dirty="0" err="1"/>
+              <a:t>finibus</a:t>
+            </a:r>
+            <a:r>
+              <a:rPr lang="de-DE" sz="2000" dirty="0"/>
+              <a:t> </a:t>
+            </a:r>
+            <a:r>
+              <a:rPr lang="de-DE" sz="2000" dirty="0" err="1"/>
+              <a:t>velit</a:t>
+            </a:r>
+            <a:r>
+              <a:rPr lang="de-DE" sz="2000" dirty="0"/>
+              <a:t>. Sed </a:t>
+            </a:r>
+            <a:r>
+              <a:rPr lang="de-DE" sz="2000" dirty="0" err="1"/>
+              <a:t>fringilla</a:t>
+            </a:r>
+            <a:r>
+              <a:rPr lang="de-DE" sz="2000" dirty="0"/>
+              <a:t>, </a:t>
+            </a:r>
+            <a:r>
+              <a:rPr lang="de-DE" sz="2000" dirty="0" err="1"/>
+              <a:t>tortor</a:t>
+            </a:r>
+            <a:r>
+              <a:rPr lang="de-DE" sz="2000" dirty="0"/>
+              <a:t> non </a:t>
+            </a:r>
+            <a:r>
+              <a:rPr lang="de-DE" sz="2000" dirty="0" err="1"/>
+              <a:t>rutrum</a:t>
+            </a:r>
+            <a:r>
+              <a:rPr lang="de-DE" sz="2000" dirty="0"/>
+              <a:t> </a:t>
+            </a:r>
+            <a:r>
+              <a:rPr lang="de-DE" sz="2000" dirty="0" err="1"/>
+              <a:t>sagittis</a:t>
+            </a:r>
+            <a:r>
+              <a:rPr lang="de-DE" sz="2000" dirty="0"/>
+              <a:t> </a:t>
+            </a:r>
+            <a:r>
+              <a:rPr lang="de-DE" sz="2000" dirty="0" err="1">
+                <a:latin typeface="Menlo" panose="020B0609030804020204" pitchFamily="49" charset="0"/>
+                <a:ea typeface="Menlo" panose="020B0609030804020204" pitchFamily="49" charset="0"/>
+                <a:cs typeface="Menlo" panose="020B0609030804020204" pitchFamily="49" charset="0"/>
+              </a:rPr>
+              <a:t>samplevariance</a:t>
+            </a:r>
+            <a:r>
+              <a:rPr lang="de-DE" sz="2000" dirty="0"/>
+              <a:t>.</a:t>
+            </a:r>
+          </a:p>
+          <a:p>
+            <a:pPr algn="just" defTabSz="895518">
+              <a:lnSpc>
+                <a:spcPct val="100000"/>
+              </a:lnSpc>
+              <a:spcBef>
+                <a:spcPts val="0"/>
+              </a:spcBef>
+            </a:pPr>
+            <a:endParaRPr lang="de-DE" sz="1400" dirty="0">
+              <a:latin typeface="Menlo" panose="020B0609030804020204" pitchFamily="49" charset="0"/>
+              <a:ea typeface="Menlo" panose="020B0609030804020204" pitchFamily="49" charset="0"/>
+              <a:cs typeface="Menlo" panose="020B0609030804020204" pitchFamily="49" charset="0"/>
+            </a:endParaRPr>
+          </a:p>
+          <a:p>
+            <a:pPr algn="just" defTabSz="895518">
+              <a:lnSpc>
+                <a:spcPct val="100000"/>
+              </a:lnSpc>
+              <a:spcBef>
+                <a:spcPts val="0"/>
+              </a:spcBef>
+            </a:pPr>
+            <a:r>
+              <a:rPr lang="de-DE" sz="1400" dirty="0" err="1">
+                <a:latin typeface="Menlo" panose="020B0609030804020204" pitchFamily="49" charset="0"/>
+                <a:ea typeface="Menlo" panose="020B0609030804020204" pitchFamily="49" charset="0"/>
+                <a:cs typeface="Menlo" panose="020B0609030804020204" pitchFamily="49" charset="0"/>
+              </a:rPr>
+              <a:t>samplevariance</a:t>
+            </a:r>
+            <a:r>
+              <a:rPr lang="de-DE" sz="1400" dirty="0">
+                <a:latin typeface="Menlo" panose="020B0609030804020204" pitchFamily="49" charset="0"/>
+                <a:ea typeface="Menlo" panose="020B0609030804020204" pitchFamily="49" charset="0"/>
+                <a:cs typeface="Menlo" panose="020B0609030804020204" pitchFamily="49" charset="0"/>
+              </a:rPr>
+              <a:t> &lt;- </a:t>
+            </a:r>
+            <a:r>
+              <a:rPr lang="de-DE" sz="1400" dirty="0" err="1">
+                <a:latin typeface="Menlo" panose="020B0609030804020204" pitchFamily="49" charset="0"/>
+                <a:ea typeface="Menlo" panose="020B0609030804020204" pitchFamily="49" charset="0"/>
+                <a:cs typeface="Menlo" panose="020B0609030804020204" pitchFamily="49" charset="0"/>
+              </a:rPr>
+              <a:t>function</a:t>
+            </a:r>
+            <a:r>
+              <a:rPr lang="de-DE" sz="1400" dirty="0">
+                <a:latin typeface="Menlo" panose="020B0609030804020204" pitchFamily="49" charset="0"/>
+                <a:ea typeface="Menlo" panose="020B0609030804020204" pitchFamily="49" charset="0"/>
+                <a:cs typeface="Menlo" panose="020B0609030804020204" pitchFamily="49" charset="0"/>
+              </a:rPr>
+              <a:t>(</a:t>
+            </a:r>
+            <a:r>
+              <a:rPr lang="de-DE" sz="1400" dirty="0" err="1">
+                <a:latin typeface="Menlo" panose="020B0609030804020204" pitchFamily="49" charset="0"/>
+                <a:ea typeface="Menlo" panose="020B0609030804020204" pitchFamily="49" charset="0"/>
+                <a:cs typeface="Menlo" panose="020B0609030804020204" pitchFamily="49" charset="0"/>
+              </a:rPr>
+              <a:t>data</a:t>
+            </a:r>
+            <a:r>
+              <a:rPr lang="de-DE" sz="1400" dirty="0">
+                <a:latin typeface="Menlo" panose="020B0609030804020204" pitchFamily="49" charset="0"/>
+                <a:ea typeface="Menlo" panose="020B0609030804020204" pitchFamily="49" charset="0"/>
+                <a:cs typeface="Menlo" panose="020B0609030804020204" pitchFamily="49" charset="0"/>
+              </a:rPr>
+              <a:t>){</a:t>
+            </a:r>
+          </a:p>
+          <a:p>
+            <a:pPr algn="just" defTabSz="895518">
+              <a:lnSpc>
+                <a:spcPct val="100000"/>
+              </a:lnSpc>
+              <a:spcBef>
+                <a:spcPts val="0"/>
+              </a:spcBef>
+            </a:pPr>
+            <a:r>
+              <a:rPr lang="de-DE" sz="1400" dirty="0">
+                <a:latin typeface="Menlo" panose="020B0609030804020204" pitchFamily="49" charset="0"/>
+                <a:ea typeface="Menlo" panose="020B0609030804020204" pitchFamily="49" charset="0"/>
+                <a:cs typeface="Menlo" panose="020B0609030804020204" pitchFamily="49" charset="0"/>
+              </a:rPr>
+              <a:t>  </a:t>
+            </a:r>
+            <a:r>
+              <a:rPr lang="de-DE" sz="1400" dirty="0" err="1">
+                <a:latin typeface="Menlo" panose="020B0609030804020204" pitchFamily="49" charset="0"/>
+                <a:ea typeface="Menlo" panose="020B0609030804020204" pitchFamily="49" charset="0"/>
+                <a:cs typeface="Menlo" panose="020B0609030804020204" pitchFamily="49" charset="0"/>
+              </a:rPr>
+              <a:t>n</a:t>
+            </a:r>
+            <a:r>
+              <a:rPr lang="de-DE" sz="1400" dirty="0">
+                <a:latin typeface="Menlo" panose="020B0609030804020204" pitchFamily="49" charset="0"/>
+                <a:ea typeface="Menlo" panose="020B0609030804020204" pitchFamily="49" charset="0"/>
+                <a:cs typeface="Menlo" panose="020B0609030804020204" pitchFamily="49" charset="0"/>
+              </a:rPr>
+              <a:t> &lt;- </a:t>
+            </a:r>
+            <a:r>
+              <a:rPr lang="de-DE" sz="1400" dirty="0" err="1">
+                <a:latin typeface="Menlo" panose="020B0609030804020204" pitchFamily="49" charset="0"/>
+                <a:ea typeface="Menlo" panose="020B0609030804020204" pitchFamily="49" charset="0"/>
+                <a:cs typeface="Menlo" panose="020B0609030804020204" pitchFamily="49" charset="0"/>
+              </a:rPr>
+              <a:t>length</a:t>
+            </a:r>
+            <a:r>
+              <a:rPr lang="de-DE" sz="1400" dirty="0">
+                <a:latin typeface="Menlo" panose="020B0609030804020204" pitchFamily="49" charset="0"/>
+                <a:ea typeface="Menlo" panose="020B0609030804020204" pitchFamily="49" charset="0"/>
+                <a:cs typeface="Menlo" panose="020B0609030804020204" pitchFamily="49" charset="0"/>
+              </a:rPr>
+              <a:t>(</a:t>
+            </a:r>
+            <a:r>
+              <a:rPr lang="de-DE" sz="1400" dirty="0" err="1">
+                <a:latin typeface="Menlo" panose="020B0609030804020204" pitchFamily="49" charset="0"/>
+                <a:ea typeface="Menlo" panose="020B0609030804020204" pitchFamily="49" charset="0"/>
+                <a:cs typeface="Menlo" panose="020B0609030804020204" pitchFamily="49" charset="0"/>
+              </a:rPr>
+              <a:t>data</a:t>
+            </a:r>
+            <a:r>
+              <a:rPr lang="de-DE" sz="1400" dirty="0">
+                <a:latin typeface="Menlo" panose="020B0609030804020204" pitchFamily="49" charset="0"/>
+                <a:ea typeface="Menlo" panose="020B0609030804020204" pitchFamily="49" charset="0"/>
+                <a:cs typeface="Menlo" panose="020B0609030804020204" pitchFamily="49" charset="0"/>
+              </a:rPr>
+              <a:t>)</a:t>
+            </a:r>
+          </a:p>
+          <a:p>
+            <a:pPr algn="just" defTabSz="895518">
+              <a:lnSpc>
+                <a:spcPct val="100000"/>
+              </a:lnSpc>
+              <a:spcBef>
+                <a:spcPts val="0"/>
+              </a:spcBef>
+            </a:pPr>
+            <a:r>
+              <a:rPr lang="de-DE" sz="1400" dirty="0">
+                <a:latin typeface="Menlo" panose="020B0609030804020204" pitchFamily="49" charset="0"/>
+                <a:ea typeface="Menlo" panose="020B0609030804020204" pitchFamily="49" charset="0"/>
+                <a:cs typeface="Menlo" panose="020B0609030804020204" pitchFamily="49" charset="0"/>
+              </a:rPr>
+              <a:t>  </a:t>
+            </a:r>
+            <a:r>
+              <a:rPr lang="de-DE" sz="1400" dirty="0" err="1">
+                <a:latin typeface="Menlo" panose="020B0609030804020204" pitchFamily="49" charset="0"/>
+                <a:ea typeface="Menlo" panose="020B0609030804020204" pitchFamily="49" charset="0"/>
+                <a:cs typeface="Menlo" panose="020B0609030804020204" pitchFamily="49" charset="0"/>
+              </a:rPr>
+              <a:t>x_mean</a:t>
+            </a:r>
+            <a:r>
+              <a:rPr lang="de-DE" sz="1400" dirty="0">
+                <a:latin typeface="Menlo" panose="020B0609030804020204" pitchFamily="49" charset="0"/>
+                <a:ea typeface="Menlo" panose="020B0609030804020204" pitchFamily="49" charset="0"/>
+                <a:cs typeface="Menlo" panose="020B0609030804020204" pitchFamily="49" charset="0"/>
+              </a:rPr>
+              <a:t> &lt;- </a:t>
+            </a:r>
+            <a:r>
+              <a:rPr lang="de-DE" sz="1400" dirty="0" err="1">
+                <a:latin typeface="Menlo" panose="020B0609030804020204" pitchFamily="49" charset="0"/>
+                <a:ea typeface="Menlo" panose="020B0609030804020204" pitchFamily="49" charset="0"/>
+                <a:cs typeface="Menlo" panose="020B0609030804020204" pitchFamily="49" charset="0"/>
+              </a:rPr>
+              <a:t>mean</a:t>
+            </a:r>
+            <a:r>
+              <a:rPr lang="de-DE" sz="1400" dirty="0">
+                <a:latin typeface="Menlo" panose="020B0609030804020204" pitchFamily="49" charset="0"/>
+                <a:ea typeface="Menlo" panose="020B0609030804020204" pitchFamily="49" charset="0"/>
+                <a:cs typeface="Menlo" panose="020B0609030804020204" pitchFamily="49" charset="0"/>
+              </a:rPr>
+              <a:t>(</a:t>
+            </a:r>
+            <a:r>
+              <a:rPr lang="de-DE" sz="1400" dirty="0" err="1">
+                <a:latin typeface="Menlo" panose="020B0609030804020204" pitchFamily="49" charset="0"/>
+                <a:ea typeface="Menlo" panose="020B0609030804020204" pitchFamily="49" charset="0"/>
+                <a:cs typeface="Menlo" panose="020B0609030804020204" pitchFamily="49" charset="0"/>
+              </a:rPr>
+              <a:t>data</a:t>
+            </a:r>
+            <a:r>
+              <a:rPr lang="de-DE" sz="1400" dirty="0">
+                <a:latin typeface="Menlo" panose="020B0609030804020204" pitchFamily="49" charset="0"/>
+                <a:ea typeface="Menlo" panose="020B0609030804020204" pitchFamily="49" charset="0"/>
+                <a:cs typeface="Menlo" panose="020B0609030804020204" pitchFamily="49" charset="0"/>
+              </a:rPr>
+              <a:t>, </a:t>
+            </a:r>
+            <a:r>
+              <a:rPr lang="de-DE" sz="1400" dirty="0" err="1">
+                <a:latin typeface="Menlo" panose="020B0609030804020204" pitchFamily="49" charset="0"/>
+                <a:ea typeface="Menlo" panose="020B0609030804020204" pitchFamily="49" charset="0"/>
+                <a:cs typeface="Menlo" panose="020B0609030804020204" pitchFamily="49" charset="0"/>
+              </a:rPr>
+              <a:t>na.rm</a:t>
+            </a:r>
+            <a:r>
+              <a:rPr lang="de-DE" sz="1400" dirty="0">
+                <a:latin typeface="Menlo" panose="020B0609030804020204" pitchFamily="49" charset="0"/>
+                <a:ea typeface="Menlo" panose="020B0609030804020204" pitchFamily="49" charset="0"/>
+                <a:cs typeface="Menlo" panose="020B0609030804020204" pitchFamily="49" charset="0"/>
+              </a:rPr>
+              <a:t> = TRUE)</a:t>
+            </a:r>
+          </a:p>
+          <a:p>
+            <a:pPr algn="just" defTabSz="895518">
+              <a:lnSpc>
+                <a:spcPct val="100000"/>
+              </a:lnSpc>
+              <a:spcBef>
+                <a:spcPts val="0"/>
+              </a:spcBef>
+            </a:pPr>
+            <a:r>
+              <a:rPr lang="de-DE" sz="1400" dirty="0">
+                <a:latin typeface="Menlo" panose="020B0609030804020204" pitchFamily="49" charset="0"/>
+                <a:ea typeface="Menlo" panose="020B0609030804020204" pitchFamily="49" charset="0"/>
+                <a:cs typeface="Menlo" panose="020B0609030804020204" pitchFamily="49" charset="0"/>
+              </a:rPr>
+              <a:t>  v &lt;- (</a:t>
+            </a:r>
+            <a:r>
+              <a:rPr lang="de-DE" sz="1400" dirty="0" err="1">
+                <a:latin typeface="Menlo" panose="020B0609030804020204" pitchFamily="49" charset="0"/>
+                <a:ea typeface="Menlo" panose="020B0609030804020204" pitchFamily="49" charset="0"/>
+                <a:cs typeface="Menlo" panose="020B0609030804020204" pitchFamily="49" charset="0"/>
+              </a:rPr>
+              <a:t>data-x_mean</a:t>
+            </a:r>
+            <a:r>
+              <a:rPr lang="de-DE" sz="1400" dirty="0">
+                <a:latin typeface="Menlo" panose="020B0609030804020204" pitchFamily="49" charset="0"/>
+                <a:ea typeface="Menlo" panose="020B0609030804020204" pitchFamily="49" charset="0"/>
+                <a:cs typeface="Menlo" panose="020B0609030804020204" pitchFamily="49" charset="0"/>
+              </a:rPr>
+              <a:t>)^2/(n-1)</a:t>
+            </a:r>
+          </a:p>
+          <a:p>
+            <a:pPr algn="just" defTabSz="895518">
+              <a:lnSpc>
+                <a:spcPct val="100000"/>
+              </a:lnSpc>
+              <a:spcBef>
+                <a:spcPts val="0"/>
+              </a:spcBef>
+            </a:pPr>
+            <a:r>
+              <a:rPr lang="de-DE" sz="1400" dirty="0">
+                <a:latin typeface="Menlo" panose="020B0609030804020204" pitchFamily="49" charset="0"/>
+                <a:ea typeface="Menlo" panose="020B0609030804020204" pitchFamily="49" charset="0"/>
+                <a:cs typeface="Menlo" panose="020B0609030804020204" pitchFamily="49" charset="0"/>
+              </a:rPr>
+              <a:t>  </a:t>
+            </a:r>
+            <a:r>
+              <a:rPr lang="de-DE" sz="1400" dirty="0" err="1">
+                <a:latin typeface="Menlo" panose="020B0609030804020204" pitchFamily="49" charset="0"/>
+                <a:ea typeface="Menlo" panose="020B0609030804020204" pitchFamily="49" charset="0"/>
+                <a:cs typeface="Menlo" panose="020B0609030804020204" pitchFamily="49" charset="0"/>
+              </a:rPr>
+              <a:t>return</a:t>
+            </a:r>
+            <a:r>
+              <a:rPr lang="de-DE" sz="1400" dirty="0">
+                <a:latin typeface="Menlo" panose="020B0609030804020204" pitchFamily="49" charset="0"/>
+                <a:ea typeface="Menlo" panose="020B0609030804020204" pitchFamily="49" charset="0"/>
+                <a:cs typeface="Menlo" panose="020B0609030804020204" pitchFamily="49" charset="0"/>
+              </a:rPr>
+              <a:t>(v)</a:t>
+            </a:r>
+          </a:p>
+          <a:p>
+            <a:pPr algn="just" defTabSz="895518">
+              <a:lnSpc>
+                <a:spcPct val="100000"/>
+              </a:lnSpc>
+              <a:spcBef>
+                <a:spcPts val="0"/>
+              </a:spcBef>
+            </a:pPr>
+            <a:r>
+              <a:rPr lang="de-DE" sz="1400" dirty="0">
+                <a:latin typeface="Menlo" panose="020B0609030804020204" pitchFamily="49" charset="0"/>
+                <a:ea typeface="Menlo" panose="020B0609030804020204" pitchFamily="49" charset="0"/>
+                <a:cs typeface="Menlo" panose="020B0609030804020204" pitchFamily="49" charset="0"/>
+              </a:rPr>
+              <a:t>}</a:t>
+            </a:r>
+          </a:p>
+          <a:p>
+            <a:pPr algn="just" defTabSz="895518">
+              <a:spcBef>
+                <a:spcPct val="50000"/>
+              </a:spcBef>
+            </a:pPr>
+            <a:r>
+              <a:rPr lang="de-DE" sz="2000" dirty="0" err="1"/>
+              <a:t>Cras</a:t>
+            </a:r>
+            <a:r>
+              <a:rPr lang="de-DE" sz="2000" dirty="0"/>
+              <a:t> </a:t>
+            </a:r>
+            <a:r>
+              <a:rPr lang="de-DE" sz="2000" dirty="0" err="1"/>
+              <a:t>mattis</a:t>
+            </a:r>
+            <a:r>
+              <a:rPr lang="de-DE" sz="2000" dirty="0"/>
+              <a:t> </a:t>
+            </a:r>
+            <a:r>
+              <a:rPr lang="de-DE" sz="2000" dirty="0" err="1"/>
+              <a:t>eleifend</a:t>
+            </a:r>
+            <a:r>
+              <a:rPr lang="de-DE" sz="2000" dirty="0"/>
+              <a:t> </a:t>
+            </a:r>
+            <a:r>
+              <a:rPr lang="de-DE" sz="2000" dirty="0" err="1"/>
+              <a:t>sagittis</a:t>
+            </a:r>
+            <a:r>
+              <a:rPr lang="de-DE" sz="2000" dirty="0"/>
+              <a:t>. </a:t>
+            </a:r>
+            <a:r>
+              <a:rPr lang="de-DE" sz="2000" dirty="0" err="1"/>
+              <a:t>Fusce</a:t>
+            </a:r>
+            <a:r>
+              <a:rPr lang="de-DE" sz="2000" dirty="0"/>
+              <a:t> </a:t>
+            </a:r>
+            <a:r>
+              <a:rPr lang="de-DE" sz="2000" dirty="0" err="1"/>
+              <a:t>vitae</a:t>
+            </a:r>
+            <a:r>
+              <a:rPr lang="de-DE" sz="2000" dirty="0"/>
+              <a:t> </a:t>
+            </a:r>
+            <a:r>
+              <a:rPr lang="de-DE" sz="2000" dirty="0" err="1"/>
+              <a:t>tempus</a:t>
+            </a:r>
+            <a:r>
+              <a:rPr lang="de-DE" sz="2000" dirty="0"/>
+              <a:t> </a:t>
+            </a:r>
+            <a:r>
+              <a:rPr lang="de-DE" sz="2000" dirty="0" err="1"/>
+              <a:t>risus</a:t>
+            </a:r>
+            <a:r>
+              <a:rPr lang="de-DE" sz="2000" dirty="0"/>
+              <a:t>, </a:t>
+            </a:r>
+            <a:r>
+              <a:rPr lang="de-DE" sz="2000" dirty="0" err="1"/>
+              <a:t>blandit</a:t>
+            </a:r>
+            <a:r>
+              <a:rPr lang="de-DE" sz="2000" dirty="0"/>
+              <a:t> </a:t>
+            </a:r>
+            <a:r>
+              <a:rPr lang="de-DE" sz="2000" dirty="0" err="1"/>
+              <a:t>malesuada</a:t>
+            </a:r>
+            <a:r>
+              <a:rPr lang="de-DE" sz="2000" dirty="0"/>
+              <a:t> </a:t>
+            </a:r>
+            <a:r>
+              <a:rPr lang="de-DE" sz="2000" dirty="0" err="1"/>
+              <a:t>velit.Nullam</a:t>
+            </a:r>
+            <a:r>
+              <a:rPr lang="de-DE" sz="2000" dirty="0"/>
+              <a:t> et </a:t>
+            </a:r>
+            <a:r>
+              <a:rPr lang="de-DE" sz="2000" dirty="0" err="1"/>
+              <a:t>sollicitudin</a:t>
+            </a:r>
+            <a:r>
+              <a:rPr lang="de-DE" sz="2000" dirty="0"/>
+              <a:t> erat, </a:t>
+            </a:r>
+            <a:r>
+              <a:rPr lang="de-DE" sz="2000" dirty="0" err="1"/>
+              <a:t>vel</a:t>
+            </a:r>
+            <a:r>
+              <a:rPr lang="de-DE" sz="2000" dirty="0"/>
+              <a:t> </a:t>
+            </a:r>
+            <a:r>
+              <a:rPr lang="de-DE" sz="2000" dirty="0" err="1"/>
+              <a:t>lacinia</a:t>
+            </a:r>
+            <a:r>
+              <a:rPr lang="de-DE" sz="2000" dirty="0"/>
+              <a:t> </a:t>
+            </a:r>
+            <a:r>
+              <a:rPr lang="de-DE" sz="2000" dirty="0" err="1"/>
+              <a:t>elit</a:t>
+            </a:r>
+            <a:r>
+              <a:rPr lang="de-DE" sz="2000" dirty="0"/>
+              <a:t>. </a:t>
+            </a:r>
+          </a:p>
+          <a:p>
+            <a:pPr algn="just" defTabSz="895518">
+              <a:spcBef>
+                <a:spcPct val="50000"/>
+              </a:spcBef>
+            </a:pPr>
+            <a:r>
+              <a:rPr lang="de-DE" sz="2000" b="1" dirty="0">
+                <a:latin typeface="Menlo" panose="020B0609030804020204" pitchFamily="49" charset="0"/>
+                <a:ea typeface="Menlo" panose="020B0609030804020204" pitchFamily="49" charset="0"/>
+                <a:cs typeface="Menlo" panose="020B0609030804020204" pitchFamily="49" charset="0"/>
+              </a:rPr>
+              <a:t>X</a:t>
+            </a:r>
+            <a:r>
+              <a:rPr lang="de-DE" sz="2000" dirty="0"/>
+              <a:t>: </a:t>
+            </a:r>
+            <a:r>
+              <a:rPr lang="de-DE" sz="2000" dirty="0" err="1"/>
+              <a:t>haec</a:t>
+            </a:r>
+            <a:r>
+              <a:rPr lang="de-DE" sz="2000" dirty="0"/>
+              <a:t> </a:t>
+            </a:r>
+            <a:r>
+              <a:rPr lang="de-DE" sz="2000" dirty="0" err="1"/>
+              <a:t>sunt</a:t>
+            </a:r>
+            <a:r>
+              <a:rPr lang="de-DE" sz="2000" dirty="0"/>
+              <a:t> </a:t>
+            </a:r>
+            <a:r>
+              <a:rPr lang="de-DE" sz="2000" dirty="0" err="1"/>
+              <a:t>data</a:t>
+            </a:r>
+            <a:r>
+              <a:rPr lang="de-DE" sz="2000" dirty="0"/>
+              <a:t> </a:t>
+            </a:r>
+            <a:r>
+              <a:rPr lang="de-DE" sz="2000" dirty="0" err="1"/>
+              <a:t>vector</a:t>
+            </a:r>
+            <a:r>
+              <a:rPr lang="de-DE" sz="2000" dirty="0"/>
+              <a:t>. </a:t>
+            </a:r>
+          </a:p>
+          <a:p>
+            <a:pPr algn="just" defTabSz="895518">
+              <a:spcBef>
+                <a:spcPct val="50000"/>
+              </a:spcBef>
+            </a:pPr>
+            <a:r>
+              <a:rPr lang="de-DE" sz="2000" dirty="0" err="1"/>
+              <a:t>Quisque</a:t>
+            </a:r>
+            <a:r>
+              <a:rPr lang="de-DE" sz="2000" dirty="0"/>
+              <a:t> </a:t>
+            </a:r>
+            <a:r>
+              <a:rPr lang="de-DE" sz="2000" dirty="0" err="1"/>
+              <a:t>condimentum</a:t>
+            </a:r>
+            <a:r>
+              <a:rPr lang="de-DE" sz="2000" dirty="0"/>
+              <a:t> </a:t>
+            </a:r>
+            <a:r>
+              <a:rPr lang="de-DE" sz="2000" dirty="0" err="1"/>
+              <a:t>nibh</a:t>
+            </a:r>
+            <a:r>
+              <a:rPr lang="de-DE" sz="2000" dirty="0"/>
+              <a:t> </a:t>
+            </a:r>
+            <a:r>
+              <a:rPr lang="de-DE" sz="2000" dirty="0" err="1"/>
+              <a:t>sapien</a:t>
+            </a:r>
+            <a:r>
+              <a:rPr lang="de-DE" sz="2000" dirty="0"/>
+              <a:t>, </a:t>
+            </a:r>
+            <a:r>
+              <a:rPr lang="de-DE" sz="2000" dirty="0" err="1"/>
+              <a:t>eu</a:t>
+            </a:r>
+            <a:r>
+              <a:rPr lang="de-DE" sz="2000" dirty="0"/>
+              <a:t> </a:t>
+            </a:r>
+            <a:r>
+              <a:rPr lang="de-DE" sz="2000" dirty="0" err="1"/>
+              <a:t>venenatis</a:t>
+            </a:r>
+            <a:r>
+              <a:rPr lang="de-DE" sz="2000" dirty="0"/>
+              <a:t> </a:t>
+            </a:r>
+            <a:r>
+              <a:rPr lang="de-DE" sz="2000" dirty="0" err="1"/>
+              <a:t>nunc</a:t>
+            </a:r>
+            <a:r>
+              <a:rPr lang="de-DE" sz="2000" dirty="0"/>
+              <a:t> </a:t>
+            </a:r>
+            <a:r>
+              <a:rPr lang="de-DE" sz="2000" dirty="0" err="1"/>
+              <a:t>hendrerit</a:t>
+            </a:r>
+            <a:r>
+              <a:rPr lang="de-DE" sz="2000" dirty="0"/>
+              <a:t> non. Mauris </a:t>
+            </a:r>
+            <a:r>
+              <a:rPr lang="de-DE" sz="2000" dirty="0" err="1"/>
+              <a:t>rhoncus</a:t>
+            </a:r>
+            <a:r>
+              <a:rPr lang="de-DE" sz="2000" dirty="0"/>
+              <a:t> </a:t>
+            </a:r>
+            <a:r>
+              <a:rPr lang="de-DE" sz="2000" dirty="0" err="1"/>
+              <a:t>aliquet</a:t>
+            </a:r>
+            <a:r>
+              <a:rPr lang="de-DE" sz="2000" dirty="0"/>
+              <a:t> erat </a:t>
+            </a:r>
+            <a:r>
+              <a:rPr lang="de-DE" sz="2000" dirty="0" err="1"/>
+              <a:t>eget</a:t>
+            </a:r>
+            <a:r>
+              <a:rPr lang="de-DE" sz="2000" dirty="0"/>
+              <a:t> </a:t>
+            </a:r>
+            <a:r>
+              <a:rPr lang="de-DE" sz="2000" dirty="0" err="1"/>
+              <a:t>placerat</a:t>
+            </a:r>
+            <a:r>
+              <a:rPr lang="de-DE" sz="2000" dirty="0"/>
+              <a:t>. </a:t>
+            </a:r>
+            <a:r>
+              <a:rPr lang="de-DE" sz="2000" dirty="0" err="1"/>
+              <a:t>Donec</a:t>
+            </a:r>
+            <a:r>
+              <a:rPr lang="de-DE" sz="2000" dirty="0"/>
+              <a:t> </a:t>
+            </a:r>
+            <a:r>
+              <a:rPr lang="de-DE" sz="2000" dirty="0" err="1"/>
+              <a:t>sit</a:t>
+            </a:r>
+            <a:r>
+              <a:rPr lang="de-DE" sz="2000" dirty="0"/>
+              <a:t> </a:t>
+            </a:r>
+            <a:r>
+              <a:rPr lang="de-DE" sz="2000" dirty="0" err="1"/>
+              <a:t>amet</a:t>
+            </a:r>
+            <a:r>
+              <a:rPr lang="de-DE" sz="2000" dirty="0"/>
+              <a:t> </a:t>
+            </a:r>
+            <a:r>
+              <a:rPr lang="de-DE" sz="2000" dirty="0" err="1"/>
+              <a:t>aliquam</a:t>
+            </a:r>
+            <a:r>
+              <a:rPr lang="de-DE" sz="2000" dirty="0"/>
+              <a:t> mi, </a:t>
+            </a:r>
+            <a:r>
+              <a:rPr lang="de-DE" sz="2000" dirty="0" err="1"/>
+              <a:t>id</a:t>
+            </a:r>
+            <a:r>
+              <a:rPr lang="de-DE" sz="2000" dirty="0"/>
+              <a:t> </a:t>
+            </a:r>
+            <a:r>
+              <a:rPr lang="de-DE" sz="2000" dirty="0" err="1"/>
+              <a:t>molestie</a:t>
+            </a:r>
+            <a:r>
+              <a:rPr lang="de-DE" sz="2000" dirty="0"/>
+              <a:t> </a:t>
+            </a:r>
+            <a:r>
+              <a:rPr lang="de-DE" sz="2000" dirty="0" err="1"/>
+              <a:t>elit</a:t>
+            </a:r>
+            <a:r>
+              <a:rPr lang="de-DE" sz="2000" dirty="0"/>
+              <a:t>. </a:t>
+            </a:r>
+            <a:r>
+              <a:rPr lang="de-DE" sz="2000" dirty="0" err="1"/>
+              <a:t>Proin</a:t>
+            </a:r>
+            <a:r>
+              <a:rPr lang="de-DE" sz="2000" dirty="0"/>
+              <a:t> </a:t>
+            </a:r>
+            <a:r>
+              <a:rPr lang="de-DE" sz="2000" dirty="0" err="1"/>
+              <a:t>viverra</a:t>
+            </a:r>
+            <a:r>
+              <a:rPr lang="de-DE" sz="2000" dirty="0"/>
+              <a:t> </a:t>
+            </a:r>
+            <a:r>
+              <a:rPr lang="de-DE" sz="2000" dirty="0" err="1"/>
+              <a:t>mattis</a:t>
+            </a:r>
+            <a:r>
+              <a:rPr lang="de-DE" sz="2000" dirty="0"/>
+              <a:t> </a:t>
+            </a:r>
+            <a:r>
+              <a:rPr lang="de-DE" sz="2000" dirty="0" err="1"/>
+              <a:t>velit</a:t>
+            </a:r>
+            <a:r>
+              <a:rPr lang="de-DE" sz="2000" dirty="0"/>
+              <a:t> </a:t>
+            </a:r>
+            <a:r>
+              <a:rPr lang="de-DE" sz="2000" dirty="0" err="1"/>
+              <a:t>ac</a:t>
+            </a:r>
+            <a:r>
+              <a:rPr lang="de-DE" sz="2000" dirty="0"/>
+              <a:t> </a:t>
+            </a:r>
+            <a:r>
+              <a:rPr lang="de-DE" sz="2000" dirty="0" err="1"/>
+              <a:t>finibus</a:t>
+            </a:r>
+            <a:r>
+              <a:rPr lang="de-DE" sz="2000" dirty="0"/>
+              <a:t>. Sed </a:t>
+            </a:r>
+            <a:r>
+              <a:rPr lang="de-DE" sz="2000" dirty="0" err="1"/>
+              <a:t>ac</a:t>
+            </a:r>
+            <a:r>
+              <a:rPr lang="de-DE" sz="2000" dirty="0"/>
+              <a:t> </a:t>
+            </a:r>
+            <a:r>
+              <a:rPr lang="de-DE" sz="2000" dirty="0" err="1"/>
+              <a:t>felis</a:t>
+            </a:r>
+            <a:r>
+              <a:rPr lang="de-DE" sz="2000" dirty="0"/>
+              <a:t> </a:t>
+            </a:r>
+            <a:r>
+              <a:rPr lang="de-DE" sz="2000" dirty="0" err="1"/>
+              <a:t>bibendum</a:t>
+            </a:r>
+            <a:r>
+              <a:rPr lang="de-DE" sz="2000" dirty="0"/>
+              <a:t> nisi </a:t>
+            </a:r>
+            <a:r>
+              <a:rPr lang="de-DE" sz="2000" dirty="0" err="1"/>
+              <a:t>hendrerit</a:t>
+            </a:r>
+            <a:r>
+              <a:rPr lang="de-DE" sz="2000" dirty="0"/>
+              <a:t> </a:t>
+            </a:r>
+            <a:r>
+              <a:rPr lang="de-DE" sz="2000" dirty="0" err="1"/>
+              <a:t>tincidunt</a:t>
+            </a:r>
+            <a:endParaRPr lang="de-DE" sz="2000" dirty="0"/>
+          </a:p>
+        </p:txBody>
+      </p:sp>
     </p:spTree>
     <p:extLst>
       <p:ext uri="{BB962C8B-B14F-4D97-AF65-F5344CB8AC3E}">

--- a/data/bchwtz-postermaster.pptx
+++ b/data/bchwtz-postermaster.pptx
@@ -3949,8 +3949,8 @@
           </a:p>
         </p:txBody>
       </p:sp>
-      <mc:AlternateContent xmlns:mc="http://schemas.openxmlformats.org/markup-compatibility/2006">
-        <mc:Choice xmlns:a14="http://schemas.microsoft.com/office/drawing/2010/main" Requires="a14">
+      <mc:AlternateContent xmlns:mc="http://schemas.openxmlformats.org/markup-compatibility/2006" xmlns:a14="http://schemas.microsoft.com/office/drawing/2010/main">
+        <mc:Choice Requires="a14">
           <p:sp>
             <p:nvSpPr>
               <p:cNvPr id="7" name="Text Placeholder 2">
@@ -5752,7 +5752,7 @@
             </p:txBody>
           </p:sp>
         </mc:Choice>
-        <mc:Fallback>
+        <mc:Fallback xmlns="">
           <p:sp>
             <p:nvSpPr>
               <p:cNvPr id="7" name="Text Placeholder 2">
@@ -8561,14 +8561,14 @@
           <a:effectLst/>
           <a:extLst>
             <a:ext uri="{909E8E84-426E-40dd-AFC4-6F175D3DCCD1}">
-              <a14:hiddenFill xmlns:a14="http://schemas.microsoft.com/office/drawing/2010/main" xmlns="">
+              <a14:hiddenFill xmlns="" xmlns:a14="http://schemas.microsoft.com/office/drawing/2010/main">
                 <a:solidFill>
                   <a:schemeClr val="accent2"/>
                 </a:solidFill>
               </a14:hiddenFill>
             </a:ext>
             <a:ext uri="{AF507438-7753-43e0-B8FC-AC1667EBCBE1}">
-              <a14:hiddenEffects xmlns:a14="http://schemas.microsoft.com/office/drawing/2010/main" xmlns="">
+              <a14:hiddenEffects xmlns="" xmlns:a14="http://schemas.microsoft.com/office/drawing/2010/main">
                 <a:effectLst>
                   <a:outerShdw blurRad="63500" dist="35921" dir="2700000" algn="ctr" rotWithShape="0">
                     <a:schemeClr val="bg2"/>
@@ -10186,7 +10186,7 @@
         </p:nvSpPr>
         <p:spPr>
           <a:xfrm>
-            <a:off x="7811812" y="23715834"/>
+            <a:off x="7811812" y="24353247"/>
             <a:ext cx="5760000" cy="927666"/>
           </a:xfrm>
           <a:prstGeom prst="rect">
@@ -10393,8 +10393,8 @@
         </p:nvSpPr>
         <p:spPr>
           <a:xfrm>
-            <a:off x="7811812" y="24846191"/>
-            <a:ext cx="5760000" cy="3421596"/>
+            <a:off x="7811812" y="25483604"/>
+            <a:ext cx="5760000" cy="2784183"/>
           </a:xfrm>
           <a:prstGeom prst="rect">
             <a:avLst/>
@@ -10842,102 +10842,6 @@
             <a:r>
               <a:rPr lang="de-DE" sz="2000" dirty="0" err="1"/>
               <a:t>placerat</a:t>
-            </a:r>
-            <a:r>
-              <a:rPr lang="de-DE" sz="2000" dirty="0"/>
-              <a:t> </a:t>
-            </a:r>
-            <a:r>
-              <a:rPr lang="de-DE" sz="2000" dirty="0" err="1"/>
-              <a:t>lobortis</a:t>
-            </a:r>
-            <a:r>
-              <a:rPr lang="de-DE" sz="2000" dirty="0"/>
-              <a:t>. </a:t>
-            </a:r>
-            <a:r>
-              <a:rPr lang="de-DE" sz="2000" dirty="0" err="1"/>
-              <a:t>Pellentesque</a:t>
-            </a:r>
-            <a:r>
-              <a:rPr lang="de-DE" sz="2000" dirty="0"/>
-              <a:t> at </a:t>
-            </a:r>
-            <a:r>
-              <a:rPr lang="de-DE" sz="2000" dirty="0" err="1"/>
-              <a:t>ligula</a:t>
-            </a:r>
-            <a:r>
-              <a:rPr lang="de-DE" sz="2000" dirty="0"/>
-              <a:t> </a:t>
-            </a:r>
-            <a:r>
-              <a:rPr lang="de-DE" sz="2000" dirty="0" err="1"/>
-              <a:t>leo</a:t>
-            </a:r>
-            <a:r>
-              <a:rPr lang="de-DE" sz="2000" dirty="0"/>
-              <a:t>. </a:t>
-            </a:r>
-            <a:r>
-              <a:rPr lang="de-DE" sz="2000" dirty="0" err="1"/>
-              <a:t>Ut</a:t>
-            </a:r>
-            <a:r>
-              <a:rPr lang="de-DE" sz="2000" dirty="0"/>
-              <a:t> </a:t>
-            </a:r>
-            <a:r>
-              <a:rPr lang="de-DE" sz="2000" dirty="0" err="1"/>
-              <a:t>quis</a:t>
-            </a:r>
-            <a:r>
-              <a:rPr lang="de-DE" sz="2000" dirty="0"/>
-              <a:t> </a:t>
-            </a:r>
-            <a:r>
-              <a:rPr lang="de-DE" sz="2000" dirty="0" err="1"/>
-              <a:t>hendrerit</a:t>
-            </a:r>
-            <a:r>
-              <a:rPr lang="de-DE" sz="2000" dirty="0"/>
-              <a:t> </a:t>
-            </a:r>
-            <a:r>
-              <a:rPr lang="de-DE" sz="2000" dirty="0" err="1"/>
-              <a:t>tellus</a:t>
-            </a:r>
-            <a:r>
-              <a:rPr lang="de-DE" sz="2000" dirty="0"/>
-              <a:t>, in </a:t>
-            </a:r>
-            <a:r>
-              <a:rPr lang="de-DE" sz="2000" dirty="0" err="1"/>
-              <a:t>faucibus</a:t>
-            </a:r>
-            <a:r>
-              <a:rPr lang="de-DE" sz="2000" dirty="0"/>
-              <a:t> </a:t>
-            </a:r>
-            <a:r>
-              <a:rPr lang="de-DE" sz="2000" dirty="0" err="1"/>
-              <a:t>urna</a:t>
-            </a:r>
-            <a:r>
-              <a:rPr lang="de-DE" sz="2000" dirty="0"/>
-              <a:t>. Integer </a:t>
-            </a:r>
-            <a:r>
-              <a:rPr lang="de-DE" sz="2000" dirty="0" err="1"/>
-              <a:t>congue</a:t>
-            </a:r>
-            <a:r>
-              <a:rPr lang="de-DE" sz="2000" dirty="0"/>
-              <a:t> </a:t>
-            </a:r>
-            <a:r>
-              <a:rPr lang="de-DE" sz="2000" dirty="0" err="1"/>
-              <a:t>tellus</a:t>
             </a:r>
             <a:r>
               <a:rPr lang="de-DE" sz="2000" dirty="0"/>
@@ -14527,7 +14431,7 @@
                   <a:schemeClr val="bg1"/>
                 </a:solidFill>
               </a:rPr>
-              <a:t>Programmcode</a:t>
+              <a:t>Implementierungsdetails</a:t>
             </a:r>
           </a:p>
         </p:txBody>
@@ -14549,7 +14453,7 @@
         <p:spPr>
           <a:xfrm>
             <a:off x="7811812" y="17683390"/>
-            <a:ext cx="5760000" cy="5829753"/>
+            <a:ext cx="5760000" cy="6467166"/>
           </a:xfrm>
           <a:prstGeom prst="rect">
             <a:avLst/>
@@ -14836,7 +14740,7 @@
               </a:spcBef>
             </a:pPr>
             <a:r>
-              <a:rPr lang="de-DE" sz="1400" dirty="0" err="1">
+              <a:rPr lang="de-DE" sz="1200" dirty="0" err="1">
                 <a:latin typeface="Menlo" panose="020B0609030804020204" pitchFamily="49" charset="0"/>
                 <a:ea typeface="Menlo" panose="020B0609030804020204" pitchFamily="49" charset="0"/>
                 <a:cs typeface="Menlo" panose="020B0609030804020204" pitchFamily="49" charset="0"/>
@@ -14844,7 +14748,7 @@
               <a:t>samplevariance</a:t>
             </a:r>
             <a:r>
-              <a:rPr lang="de-DE" sz="1400" dirty="0">
+              <a:rPr lang="de-DE" sz="1200" dirty="0">
                 <a:latin typeface="Menlo" panose="020B0609030804020204" pitchFamily="49" charset="0"/>
                 <a:ea typeface="Menlo" panose="020B0609030804020204" pitchFamily="49" charset="0"/>
                 <a:cs typeface="Menlo" panose="020B0609030804020204" pitchFamily="49" charset="0"/>
@@ -14852,7 +14756,7 @@
               <a:t> &lt;- </a:t>
             </a:r>
             <a:r>
-              <a:rPr lang="de-DE" sz="1400" dirty="0" err="1">
+              <a:rPr lang="de-DE" sz="1200" dirty="0" err="1">
                 <a:latin typeface="Menlo" panose="020B0609030804020204" pitchFamily="49" charset="0"/>
                 <a:ea typeface="Menlo" panose="020B0609030804020204" pitchFamily="49" charset="0"/>
                 <a:cs typeface="Menlo" panose="020B0609030804020204" pitchFamily="49" charset="0"/>
@@ -14860,7 +14764,7 @@
               <a:t>function</a:t>
             </a:r>
             <a:r>
-              <a:rPr lang="de-DE" sz="1400" dirty="0">
+              <a:rPr lang="de-DE" sz="1200" dirty="0">
                 <a:latin typeface="Menlo" panose="020B0609030804020204" pitchFamily="49" charset="0"/>
                 <a:ea typeface="Menlo" panose="020B0609030804020204" pitchFamily="49" charset="0"/>
                 <a:cs typeface="Menlo" panose="020B0609030804020204" pitchFamily="49" charset="0"/>
@@ -14868,7 +14772,7 @@
               <a:t>(</a:t>
             </a:r>
             <a:r>
-              <a:rPr lang="de-DE" sz="1400" dirty="0" err="1">
+              <a:rPr lang="de-DE" sz="1200" dirty="0" err="1">
                 <a:latin typeface="Menlo" panose="020B0609030804020204" pitchFamily="49" charset="0"/>
                 <a:ea typeface="Menlo" panose="020B0609030804020204" pitchFamily="49" charset="0"/>
                 <a:cs typeface="Menlo" panose="020B0609030804020204" pitchFamily="49" charset="0"/>
@@ -14876,7 +14780,7 @@
               <a:t>data</a:t>
             </a:r>
             <a:r>
-              <a:rPr lang="de-DE" sz="1400" dirty="0">
+              <a:rPr lang="de-DE" sz="1200" dirty="0">
                 <a:latin typeface="Menlo" panose="020B0609030804020204" pitchFamily="49" charset="0"/>
                 <a:ea typeface="Menlo" panose="020B0609030804020204" pitchFamily="49" charset="0"/>
                 <a:cs typeface="Menlo" panose="020B0609030804020204" pitchFamily="49" charset="0"/>
@@ -14894,7 +14798,7 @@
               </a:spcBef>
             </a:pPr>
             <a:r>
-              <a:rPr lang="de-DE" sz="1400" dirty="0">
+              <a:rPr lang="de-DE" sz="1200" dirty="0">
                 <a:latin typeface="Menlo" panose="020B0609030804020204" pitchFamily="49" charset="0"/>
                 <a:ea typeface="Menlo" panose="020B0609030804020204" pitchFamily="49" charset="0"/>
                 <a:cs typeface="Menlo" panose="020B0609030804020204" pitchFamily="49" charset="0"/>
@@ -14902,7 +14806,7 @@
               <a:t>  </a:t>
             </a:r>
             <a:r>
-              <a:rPr lang="de-DE" sz="1400" dirty="0" err="1">
+              <a:rPr lang="de-DE" sz="1200" dirty="0" err="1">
                 <a:latin typeface="Menlo" panose="020B0609030804020204" pitchFamily="49" charset="0"/>
                 <a:ea typeface="Menlo" panose="020B0609030804020204" pitchFamily="49" charset="0"/>
                 <a:cs typeface="Menlo" panose="020B0609030804020204" pitchFamily="49" charset="0"/>
@@ -14910,7 +14814,7 @@
               <a:t>n</a:t>
             </a:r>
             <a:r>
-              <a:rPr lang="de-DE" sz="1400" dirty="0">
+              <a:rPr lang="de-DE" sz="1200" dirty="0">
                 <a:latin typeface="Menlo" panose="020B0609030804020204" pitchFamily="49" charset="0"/>
                 <a:ea typeface="Menlo" panose="020B0609030804020204" pitchFamily="49" charset="0"/>
                 <a:cs typeface="Menlo" panose="020B0609030804020204" pitchFamily="49" charset="0"/>
@@ -14918,7 +14822,7 @@
               <a:t> &lt;- </a:t>
             </a:r>
             <a:r>
-              <a:rPr lang="de-DE" sz="1400" dirty="0" err="1">
+              <a:rPr lang="de-DE" sz="1200" dirty="0" err="1">
                 <a:latin typeface="Menlo" panose="020B0609030804020204" pitchFamily="49" charset="0"/>
                 <a:ea typeface="Menlo" panose="020B0609030804020204" pitchFamily="49" charset="0"/>
                 <a:cs typeface="Menlo" panose="020B0609030804020204" pitchFamily="49" charset="0"/>
@@ -14926,7 +14830,7 @@
               <a:t>length</a:t>
             </a:r>
             <a:r>
-              <a:rPr lang="de-DE" sz="1400" dirty="0">
+              <a:rPr lang="de-DE" sz="1200" dirty="0">
                 <a:latin typeface="Menlo" panose="020B0609030804020204" pitchFamily="49" charset="0"/>
                 <a:ea typeface="Menlo" panose="020B0609030804020204" pitchFamily="49" charset="0"/>
                 <a:cs typeface="Menlo" panose="020B0609030804020204" pitchFamily="49" charset="0"/>
@@ -14934,7 +14838,7 @@
               <a:t>(</a:t>
             </a:r>
             <a:r>
-              <a:rPr lang="de-DE" sz="1400" dirty="0" err="1">
+              <a:rPr lang="de-DE" sz="1200" dirty="0" err="1">
                 <a:latin typeface="Menlo" panose="020B0609030804020204" pitchFamily="49" charset="0"/>
                 <a:ea typeface="Menlo" panose="020B0609030804020204" pitchFamily="49" charset="0"/>
                 <a:cs typeface="Menlo" panose="020B0609030804020204" pitchFamily="49" charset="0"/>
@@ -14942,12 +14846,45 @@
               <a:t>data</a:t>
             </a:r>
             <a:r>
-              <a:rPr lang="de-DE" sz="1400" dirty="0">
+              <a:rPr lang="de-DE" sz="1200" dirty="0">
                 <a:latin typeface="Menlo" panose="020B0609030804020204" pitchFamily="49" charset="0"/>
                 <a:ea typeface="Menlo" panose="020B0609030804020204" pitchFamily="49" charset="0"/>
                 <a:cs typeface="Menlo" panose="020B0609030804020204" pitchFamily="49" charset="0"/>
               </a:rPr>
-              <a:t>)</a:t>
+              <a:t>)                   </a:t>
+            </a:r>
+            <a:r>
+              <a:rPr lang="de-DE" sz="1200" dirty="0">
+                <a:solidFill>
+                  <a:srgbClr val="00B050"/>
+                </a:solidFill>
+                <a:latin typeface="Menlo" panose="020B0609030804020204" pitchFamily="49" charset="0"/>
+                <a:ea typeface="Menlo" panose="020B0609030804020204" pitchFamily="49" charset="0"/>
+                <a:cs typeface="Menlo" panose="020B0609030804020204" pitchFamily="49" charset="0"/>
+              </a:rPr>
+              <a:t># Sample </a:t>
+            </a:r>
+            <a:r>
+              <a:rPr lang="de-DE" sz="1200" dirty="0" err="1">
+                <a:solidFill>
+                  <a:srgbClr val="00B050"/>
+                </a:solidFill>
+                <a:latin typeface="Menlo" panose="020B0609030804020204" pitchFamily="49" charset="0"/>
+                <a:ea typeface="Menlo" panose="020B0609030804020204" pitchFamily="49" charset="0"/>
+                <a:cs typeface="Menlo" panose="020B0609030804020204" pitchFamily="49" charset="0"/>
+              </a:rPr>
+              <a:t>size</a:t>
+            </a:r>
+            <a:r>
+              <a:rPr lang="de-DE" sz="1200" dirty="0">
+                <a:solidFill>
+                  <a:srgbClr val="00B050"/>
+                </a:solidFill>
+                <a:latin typeface="Menlo" panose="020B0609030804020204" pitchFamily="49" charset="0"/>
+                <a:ea typeface="Menlo" panose="020B0609030804020204" pitchFamily="49" charset="0"/>
+                <a:cs typeface="Menlo" panose="020B0609030804020204" pitchFamily="49" charset="0"/>
+              </a:rPr>
+              <a:t> </a:t>
             </a:r>
           </a:p>
           <a:p>
@@ -14960,7 +14897,7 @@
               </a:spcBef>
             </a:pPr>
             <a:r>
-              <a:rPr lang="de-DE" sz="1400" dirty="0">
+              <a:rPr lang="de-DE" sz="1200" dirty="0">
                 <a:latin typeface="Menlo" panose="020B0609030804020204" pitchFamily="49" charset="0"/>
                 <a:ea typeface="Menlo" panose="020B0609030804020204" pitchFamily="49" charset="0"/>
                 <a:cs typeface="Menlo" panose="020B0609030804020204" pitchFamily="49" charset="0"/>
@@ -14968,7 +14905,7 @@
               <a:t>  </a:t>
             </a:r>
             <a:r>
-              <a:rPr lang="de-DE" sz="1400" dirty="0" err="1">
+              <a:rPr lang="de-DE" sz="1200" dirty="0" err="1">
                 <a:latin typeface="Menlo" panose="020B0609030804020204" pitchFamily="49" charset="0"/>
                 <a:ea typeface="Menlo" panose="020B0609030804020204" pitchFamily="49" charset="0"/>
                 <a:cs typeface="Menlo" panose="020B0609030804020204" pitchFamily="49" charset="0"/>
@@ -14976,7 +14913,7 @@
               <a:t>x_mean</a:t>
             </a:r>
             <a:r>
-              <a:rPr lang="de-DE" sz="1400" dirty="0">
+              <a:rPr lang="de-DE" sz="1200" dirty="0">
                 <a:latin typeface="Menlo" panose="020B0609030804020204" pitchFamily="49" charset="0"/>
                 <a:ea typeface="Menlo" panose="020B0609030804020204" pitchFamily="49" charset="0"/>
                 <a:cs typeface="Menlo" panose="020B0609030804020204" pitchFamily="49" charset="0"/>
@@ -14984,7 +14921,7 @@
               <a:t> &lt;- </a:t>
             </a:r>
             <a:r>
-              <a:rPr lang="de-DE" sz="1400" dirty="0" err="1">
+              <a:rPr lang="de-DE" sz="1200" dirty="0" err="1">
                 <a:latin typeface="Menlo" panose="020B0609030804020204" pitchFamily="49" charset="0"/>
                 <a:ea typeface="Menlo" panose="020B0609030804020204" pitchFamily="49" charset="0"/>
                 <a:cs typeface="Menlo" panose="020B0609030804020204" pitchFamily="49" charset="0"/>
@@ -14992,7 +14929,7 @@
               <a:t>mean</a:t>
             </a:r>
             <a:r>
-              <a:rPr lang="de-DE" sz="1400" dirty="0">
+              <a:rPr lang="de-DE" sz="1200" dirty="0">
                 <a:latin typeface="Menlo" panose="020B0609030804020204" pitchFamily="49" charset="0"/>
                 <a:ea typeface="Menlo" panose="020B0609030804020204" pitchFamily="49" charset="0"/>
                 <a:cs typeface="Menlo" panose="020B0609030804020204" pitchFamily="49" charset="0"/>
@@ -15000,7 +14937,7 @@
               <a:t>(</a:t>
             </a:r>
             <a:r>
-              <a:rPr lang="de-DE" sz="1400" dirty="0" err="1">
+              <a:rPr lang="de-DE" sz="1200" dirty="0" err="1">
                 <a:latin typeface="Menlo" panose="020B0609030804020204" pitchFamily="49" charset="0"/>
                 <a:ea typeface="Menlo" panose="020B0609030804020204" pitchFamily="49" charset="0"/>
                 <a:cs typeface="Menlo" panose="020B0609030804020204" pitchFamily="49" charset="0"/>
@@ -15008,7 +14945,7 @@
               <a:t>data</a:t>
             </a:r>
             <a:r>
-              <a:rPr lang="de-DE" sz="1400" dirty="0">
+              <a:rPr lang="de-DE" sz="1200" dirty="0">
                 <a:latin typeface="Menlo" panose="020B0609030804020204" pitchFamily="49" charset="0"/>
                 <a:ea typeface="Menlo" panose="020B0609030804020204" pitchFamily="49" charset="0"/>
                 <a:cs typeface="Menlo" panose="020B0609030804020204" pitchFamily="49" charset="0"/>
@@ -15016,7 +14953,7 @@
               <a:t>, </a:t>
             </a:r>
             <a:r>
-              <a:rPr lang="de-DE" sz="1400" dirty="0" err="1">
+              <a:rPr lang="de-DE" sz="1200" dirty="0" err="1">
                 <a:latin typeface="Menlo" panose="020B0609030804020204" pitchFamily="49" charset="0"/>
                 <a:ea typeface="Menlo" panose="020B0609030804020204" pitchFamily="49" charset="0"/>
                 <a:cs typeface="Menlo" panose="020B0609030804020204" pitchFamily="49" charset="0"/>
@@ -15024,13 +14961,65 @@
               <a:t>na.rm</a:t>
             </a:r>
             <a:r>
-              <a:rPr lang="de-DE" sz="1400" dirty="0">
+              <a:rPr lang="de-DE" sz="1200" dirty="0">
                 <a:latin typeface="Menlo" panose="020B0609030804020204" pitchFamily="49" charset="0"/>
                 <a:ea typeface="Menlo" panose="020B0609030804020204" pitchFamily="49" charset="0"/>
                 <a:cs typeface="Menlo" panose="020B0609030804020204" pitchFamily="49" charset="0"/>
               </a:rPr>
-              <a:t> = TRUE)</a:t>
-            </a:r>
+              <a:t> = TRUE)  </a:t>
+            </a:r>
+            <a:r>
+              <a:rPr lang="de-DE" sz="1200" dirty="0">
+                <a:solidFill>
+                  <a:srgbClr val="00B050"/>
+                </a:solidFill>
+                <a:latin typeface="Menlo" panose="020B0609030804020204" pitchFamily="49" charset="0"/>
+                <a:ea typeface="Menlo" panose="020B0609030804020204" pitchFamily="49" charset="0"/>
+                <a:cs typeface="Menlo" panose="020B0609030804020204" pitchFamily="49" charset="0"/>
+              </a:rPr>
+              <a:t># </a:t>
+            </a:r>
+            <a:r>
+              <a:rPr lang="de-DE" sz="1200" dirty="0" err="1">
+                <a:solidFill>
+                  <a:srgbClr val="00B050"/>
+                </a:solidFill>
+                <a:latin typeface="Menlo" panose="020B0609030804020204" pitchFamily="49" charset="0"/>
+                <a:ea typeface="Menlo" panose="020B0609030804020204" pitchFamily="49" charset="0"/>
+                <a:cs typeface="Menlo" panose="020B0609030804020204" pitchFamily="49" charset="0"/>
+              </a:rPr>
+              <a:t>Calculate</a:t>
+            </a:r>
+            <a:r>
+              <a:rPr lang="de-DE" sz="1200" dirty="0">
+                <a:solidFill>
+                  <a:srgbClr val="00B050"/>
+                </a:solidFill>
+                <a:latin typeface="Menlo" panose="020B0609030804020204" pitchFamily="49" charset="0"/>
+                <a:ea typeface="Menlo" panose="020B0609030804020204" pitchFamily="49" charset="0"/>
+                <a:cs typeface="Menlo" panose="020B0609030804020204" pitchFamily="49" charset="0"/>
+              </a:rPr>
+              <a:t> </a:t>
+            </a:r>
+            <a:r>
+              <a:rPr lang="de-DE" sz="1200" dirty="0" err="1">
+                <a:solidFill>
+                  <a:srgbClr val="00B050"/>
+                </a:solidFill>
+                <a:latin typeface="Menlo" panose="020B0609030804020204" pitchFamily="49" charset="0"/>
+                <a:ea typeface="Menlo" panose="020B0609030804020204" pitchFamily="49" charset="0"/>
+                <a:cs typeface="Menlo" panose="020B0609030804020204" pitchFamily="49" charset="0"/>
+              </a:rPr>
+              <a:t>mean</a:t>
+            </a:r>
+            <a:endParaRPr lang="de-DE" sz="1200" dirty="0">
+              <a:solidFill>
+                <a:srgbClr val="00B050"/>
+              </a:solidFill>
+              <a:latin typeface="Menlo" panose="020B0609030804020204" pitchFamily="49" charset="0"/>
+              <a:ea typeface="Menlo" panose="020B0609030804020204" pitchFamily="49" charset="0"/>
+              <a:cs typeface="Menlo" panose="020B0609030804020204" pitchFamily="49" charset="0"/>
+            </a:endParaRPr>
           </a:p>
           <a:p>
             <a:pPr algn="just" defTabSz="895518">
@@ -15042,7 +15031,7 @@
               </a:spcBef>
             </a:pPr>
             <a:r>
-              <a:rPr lang="de-DE" sz="1400" dirty="0">
+              <a:rPr lang="de-DE" sz="1200" dirty="0">
                 <a:latin typeface="Menlo" panose="020B0609030804020204" pitchFamily="49" charset="0"/>
                 <a:ea typeface="Menlo" panose="020B0609030804020204" pitchFamily="49" charset="0"/>
                 <a:cs typeface="Menlo" panose="020B0609030804020204" pitchFamily="49" charset="0"/>
@@ -15050,7 +15039,7 @@
               <a:t>  v &lt;- (</a:t>
             </a:r>
             <a:r>
-              <a:rPr lang="de-DE" sz="1400" dirty="0" err="1">
+              <a:rPr lang="de-DE" sz="1200" dirty="0" err="1">
                 <a:latin typeface="Menlo" panose="020B0609030804020204" pitchFamily="49" charset="0"/>
                 <a:ea typeface="Menlo" panose="020B0609030804020204" pitchFamily="49" charset="0"/>
                 <a:cs typeface="Menlo" panose="020B0609030804020204" pitchFamily="49" charset="0"/>
@@ -15058,12 +15047,23 @@
               <a:t>data-x_mean</a:t>
             </a:r>
             <a:r>
-              <a:rPr lang="de-DE" sz="1400" dirty="0">
+              <a:rPr lang="de-DE" sz="1200" dirty="0">
                 <a:latin typeface="Menlo" panose="020B0609030804020204" pitchFamily="49" charset="0"/>
                 <a:ea typeface="Menlo" panose="020B0609030804020204" pitchFamily="49" charset="0"/>
                 <a:cs typeface="Menlo" panose="020B0609030804020204" pitchFamily="49" charset="0"/>
               </a:rPr>
-              <a:t>)^2/(n-1)</a:t>
+              <a:t>)^2/(n-1)          </a:t>
+            </a:r>
+            <a:r>
+              <a:rPr lang="de-DE" sz="1200" dirty="0">
+                <a:solidFill>
+                  <a:srgbClr val="00B050"/>
+                </a:solidFill>
+                <a:latin typeface="Menlo" panose="020B0609030804020204" pitchFamily="49" charset="0"/>
+                <a:ea typeface="Menlo" panose="020B0609030804020204" pitchFamily="49" charset="0"/>
+                <a:cs typeface="Menlo" panose="020B0609030804020204" pitchFamily="49" charset="0"/>
+              </a:rPr>
+              <a:t># See Formula</a:t>
             </a:r>
           </a:p>
           <a:p>
@@ -15076,7 +15076,7 @@
               </a:spcBef>
             </a:pPr>
             <a:r>
-              <a:rPr lang="de-DE" sz="1400" dirty="0">
+              <a:rPr lang="de-DE" sz="1200" dirty="0">
                 <a:latin typeface="Menlo" panose="020B0609030804020204" pitchFamily="49" charset="0"/>
                 <a:ea typeface="Menlo" panose="020B0609030804020204" pitchFamily="49" charset="0"/>
                 <a:cs typeface="Menlo" panose="020B0609030804020204" pitchFamily="49" charset="0"/>
@@ -15084,7 +15084,7 @@
               <a:t>  </a:t>
             </a:r>
             <a:r>
-              <a:rPr lang="de-DE" sz="1400" dirty="0" err="1">
+              <a:rPr lang="de-DE" sz="1200" dirty="0" err="1">
                 <a:latin typeface="Menlo" panose="020B0609030804020204" pitchFamily="49" charset="0"/>
                 <a:ea typeface="Menlo" panose="020B0609030804020204" pitchFamily="49" charset="0"/>
                 <a:cs typeface="Menlo" panose="020B0609030804020204" pitchFamily="49" charset="0"/>
@@ -15092,13 +15092,43 @@
               <a:t>return</a:t>
             </a:r>
             <a:r>
-              <a:rPr lang="de-DE" sz="1400" dirty="0">
+              <a:rPr lang="de-DE" sz="1200" dirty="0">
                 <a:latin typeface="Menlo" panose="020B0609030804020204" pitchFamily="49" charset="0"/>
                 <a:ea typeface="Menlo" panose="020B0609030804020204" pitchFamily="49" charset="0"/>
                 <a:cs typeface="Menlo" panose="020B0609030804020204" pitchFamily="49" charset="0"/>
               </a:rPr>
-              <a:t>(v)</a:t>
-            </a:r>
+              <a:t>(v)                           </a:t>
+            </a:r>
+            <a:r>
+              <a:rPr lang="de-DE" sz="1200" dirty="0">
+                <a:solidFill>
+                  <a:srgbClr val="00B050"/>
+                </a:solidFill>
+                <a:latin typeface="Menlo" panose="020B0609030804020204" pitchFamily="49" charset="0"/>
+                <a:ea typeface="Menlo" panose="020B0609030804020204" pitchFamily="49" charset="0"/>
+                <a:cs typeface="Menlo" panose="020B0609030804020204" pitchFamily="49" charset="0"/>
+              </a:rPr>
+              <a:t># Return </a:t>
+            </a:r>
+            <a:r>
+              <a:rPr lang="de-DE" sz="1200" dirty="0" err="1">
+                <a:solidFill>
+                  <a:srgbClr val="00B050"/>
+                </a:solidFill>
+                <a:latin typeface="Menlo" panose="020B0609030804020204" pitchFamily="49" charset="0"/>
+                <a:ea typeface="Menlo" panose="020B0609030804020204" pitchFamily="49" charset="0"/>
+                <a:cs typeface="Menlo" panose="020B0609030804020204" pitchFamily="49" charset="0"/>
+              </a:rPr>
+              <a:t>result</a:t>
+            </a:r>
+            <a:endParaRPr lang="de-DE" sz="1200" dirty="0">
+              <a:solidFill>
+                <a:srgbClr val="00B050"/>
+              </a:solidFill>
+              <a:latin typeface="Menlo" panose="020B0609030804020204" pitchFamily="49" charset="0"/>
+              <a:ea typeface="Menlo" panose="020B0609030804020204" pitchFamily="49" charset="0"/>
+              <a:cs typeface="Menlo" panose="020B0609030804020204" pitchFamily="49" charset="0"/>
+            </a:endParaRPr>
           </a:p>
           <a:p>
             <a:pPr algn="just" defTabSz="895518">
@@ -15110,7 +15140,7 @@
               </a:spcBef>
             </a:pPr>
             <a:r>
-              <a:rPr lang="de-DE" sz="1400" dirty="0">
+              <a:rPr lang="de-DE" sz="1200" dirty="0">
                 <a:latin typeface="Menlo" panose="020B0609030804020204" pitchFamily="49" charset="0"/>
                 <a:ea typeface="Menlo" panose="020B0609030804020204" pitchFamily="49" charset="0"/>
                 <a:cs typeface="Menlo" panose="020B0609030804020204" pitchFamily="49" charset="0"/>
@@ -15206,7 +15236,15 @@
             </a:r>
             <a:r>
               <a:rPr lang="de-DE" sz="2000" dirty="0" err="1"/>
-              <a:t>velit.Nullam</a:t>
+              <a:t>velit</a:t>
+            </a:r>
+            <a:r>
+              <a:rPr lang="de-DE" sz="2000" dirty="0"/>
+              <a:t>. </a:t>
+            </a:r>
+            <a:r>
+              <a:rPr lang="de-DE" sz="2000" dirty="0" err="1"/>
+              <a:t>Nullam</a:t>
             </a:r>
             <a:r>
               <a:rPr lang="de-DE" sz="2000" dirty="0"/>
@@ -15252,12 +15290,12 @@
               </a:spcBef>
             </a:pPr>
             <a:r>
-              <a:rPr lang="de-DE" sz="2000" b="1" dirty="0">
+              <a:rPr lang="de-DE" sz="2000" b="1" dirty="0" err="1">
                 <a:latin typeface="Menlo" panose="020B0609030804020204" pitchFamily="49" charset="0"/>
                 <a:ea typeface="Menlo" panose="020B0609030804020204" pitchFamily="49" charset="0"/>
                 <a:cs typeface="Menlo" panose="020B0609030804020204" pitchFamily="49" charset="0"/>
               </a:rPr>
-              <a:t>X</a:t>
+              <a:t>data</a:t>
             </a:r>
             <a:r>
               <a:rPr lang="de-DE" sz="2000" dirty="0"/>
@@ -15289,11 +15327,67 @@
             </a:r>
             <a:r>
               <a:rPr lang="de-DE" sz="2000" dirty="0" err="1"/>
-              <a:t>vector</a:t>
-            </a:r>
-            <a:r>
-              <a:rPr lang="de-DE" sz="2000" dirty="0"/>
-              <a:t>. </a:t>
+              <a:t>vector.Quisque</a:t>
+            </a:r>
+            <a:r>
+              <a:rPr lang="de-DE" sz="2000" dirty="0"/>
+              <a:t> </a:t>
+            </a:r>
+            <a:r>
+              <a:rPr lang="de-DE" sz="2000" dirty="0" err="1"/>
+              <a:t>condimentum</a:t>
+            </a:r>
+            <a:r>
+              <a:rPr lang="de-DE" sz="2000" dirty="0"/>
+              <a:t> </a:t>
+            </a:r>
+            <a:r>
+              <a:rPr lang="de-DE" sz="2000" dirty="0" err="1"/>
+              <a:t>nibh</a:t>
+            </a:r>
+            <a:r>
+              <a:rPr lang="de-DE" sz="2000" dirty="0"/>
+              <a:t> </a:t>
+            </a:r>
+            <a:r>
+              <a:rPr lang="de-DE" sz="2000" dirty="0" err="1"/>
+              <a:t>sapien</a:t>
+            </a:r>
+            <a:r>
+              <a:rPr lang="de-DE" sz="2000" dirty="0"/>
+              <a:t>, </a:t>
+            </a:r>
+            <a:r>
+              <a:rPr lang="de-DE" sz="2000" dirty="0" err="1"/>
+              <a:t>eu</a:t>
+            </a:r>
+            <a:r>
+              <a:rPr lang="de-DE" sz="2000" dirty="0"/>
+              <a:t> </a:t>
+            </a:r>
+            <a:r>
+              <a:rPr lang="de-DE" sz="2000" dirty="0" err="1"/>
+              <a:t>venenatis</a:t>
+            </a:r>
+            <a:r>
+              <a:rPr lang="de-DE" sz="2000" dirty="0"/>
+              <a:t> </a:t>
+            </a:r>
+            <a:r>
+              <a:rPr lang="de-DE" sz="2000" dirty="0" err="1"/>
+              <a:t>nunc</a:t>
+            </a:r>
+            <a:r>
+              <a:rPr lang="de-DE" sz="2000" dirty="0"/>
+              <a:t> </a:t>
+            </a:r>
+            <a:r>
+              <a:rPr lang="de-DE" sz="2000" dirty="0" err="1"/>
+              <a:t>hendrerit</a:t>
+            </a:r>
+            <a:r>
+              <a:rPr lang="de-DE" sz="2000" dirty="0"/>
+              <a:t> non. </a:t>
             </a:r>
           </a:p>
           <a:p>
@@ -15303,32 +15397,20 @@
               </a:spcBef>
             </a:pPr>
             <a:r>
-              <a:rPr lang="de-DE" sz="2000" dirty="0" err="1"/>
-              <a:t>Quisque</a:t>
-            </a:r>
-            <a:r>
-              <a:rPr lang="de-DE" sz="2000" dirty="0"/>
-              <a:t> </a:t>
-            </a:r>
-            <a:r>
-              <a:rPr lang="de-DE" sz="2000" dirty="0" err="1"/>
-              <a:t>condimentum</a:t>
-            </a:r>
-            <a:r>
-              <a:rPr lang="de-DE" sz="2000" dirty="0"/>
-              <a:t> </a:t>
-            </a:r>
-            <a:r>
-              <a:rPr lang="de-DE" sz="2000" dirty="0" err="1"/>
-              <a:t>nibh</a:t>
-            </a:r>
-            <a:r>
-              <a:rPr lang="de-DE" sz="2000" dirty="0"/>
-              <a:t> </a:t>
-            </a:r>
-            <a:r>
-              <a:rPr lang="de-DE" sz="2000" dirty="0" err="1"/>
-              <a:t>sapien</a:t>
+              <a:rPr lang="de-DE" sz="2000" dirty="0"/>
+              <a:t>Mauris Mauris </a:t>
+            </a:r>
+            <a:r>
+              <a:rPr lang="de-DE" sz="2000" dirty="0" err="1"/>
+              <a:t>leo</a:t>
+            </a:r>
+            <a:r>
+              <a:rPr lang="de-DE" sz="2000" dirty="0"/>
+              <a:t> </a:t>
+            </a:r>
+            <a:r>
+              <a:rPr lang="de-DE" sz="2000" dirty="0" err="1"/>
+              <a:t>libero</a:t>
             </a:r>
             <a:r>
               <a:rPr lang="de-DE" sz="2000" dirty="0"/>
@@ -15336,15 +15418,143 @@
             </a:r>
             <a:r>
               <a:rPr lang="de-DE" sz="2000" dirty="0" err="1"/>
-              <a:t>eu</a:t>
-            </a:r>
-            <a:r>
-              <a:rPr lang="de-DE" sz="2000" dirty="0"/>
-              <a:t> </a:t>
-            </a:r>
-            <a:r>
-              <a:rPr lang="de-DE" sz="2000" dirty="0" err="1"/>
-              <a:t>venenatis</a:t>
+              <a:t>vulputate</a:t>
+            </a:r>
+            <a:r>
+              <a:rPr lang="de-DE" sz="2000" dirty="0"/>
+              <a:t> a </a:t>
+            </a:r>
+            <a:r>
+              <a:rPr lang="de-DE" sz="2000" dirty="0" err="1"/>
+              <a:t>justo</a:t>
+            </a:r>
+            <a:r>
+              <a:rPr lang="de-DE" sz="2000" dirty="0"/>
+              <a:t> </a:t>
+            </a:r>
+            <a:r>
+              <a:rPr lang="de-DE" sz="2000" dirty="0" err="1"/>
+              <a:t>nec</a:t>
+            </a:r>
+            <a:r>
+              <a:rPr lang="de-DE" sz="2000" dirty="0"/>
+              <a:t>, </a:t>
+            </a:r>
+            <a:r>
+              <a:rPr lang="de-DE" sz="2000" dirty="0" err="1"/>
+              <a:t>hendrerit</a:t>
+            </a:r>
+            <a:r>
+              <a:rPr lang="de-DE" sz="2000" dirty="0"/>
+              <a:t> </a:t>
+            </a:r>
+            <a:r>
+              <a:rPr lang="de-DE" sz="2000" dirty="0" err="1"/>
+              <a:t>feugiat</a:t>
+            </a:r>
+            <a:r>
+              <a:rPr lang="de-DE" sz="2000" dirty="0"/>
+              <a:t> </a:t>
+            </a:r>
+            <a:r>
+              <a:rPr lang="de-DE" sz="2000" dirty="0" err="1"/>
+              <a:t>odio</a:t>
+            </a:r>
+            <a:r>
+              <a:rPr lang="de-DE" sz="2000" dirty="0"/>
+              <a:t>. </a:t>
+            </a:r>
+            <a:r>
+              <a:rPr lang="de-DE" sz="2000" dirty="0" err="1"/>
+              <a:t>Fusce</a:t>
+            </a:r>
+            <a:r>
+              <a:rPr lang="de-DE" sz="2000" dirty="0"/>
+              <a:t> </a:t>
+            </a:r>
+            <a:r>
+              <a:rPr lang="de-DE" sz="2000" dirty="0" err="1"/>
+              <a:t>accumsan</a:t>
+            </a:r>
+            <a:r>
+              <a:rPr lang="de-DE" sz="2000" dirty="0"/>
+              <a:t>, </a:t>
+            </a:r>
+            <a:r>
+              <a:rPr lang="de-DE" sz="2000" dirty="0" err="1"/>
+              <a:t>diam</a:t>
+            </a:r>
+            <a:r>
+              <a:rPr lang="de-DE" sz="2000" dirty="0"/>
+              <a:t> </a:t>
+            </a:r>
+            <a:r>
+              <a:rPr lang="de-DE" sz="2000" dirty="0" err="1"/>
+              <a:t>quis</a:t>
+            </a:r>
+            <a:r>
+              <a:rPr lang="de-DE" sz="2000" dirty="0"/>
+              <a:t> </a:t>
+            </a:r>
+            <a:r>
+              <a:rPr lang="de-DE" sz="2000" dirty="0" err="1"/>
+              <a:t>dignissim</a:t>
+            </a:r>
+            <a:r>
+              <a:rPr lang="de-DE" sz="2000" dirty="0"/>
+              <a:t> </a:t>
+            </a:r>
+            <a:r>
+              <a:rPr lang="de-DE" sz="2000" dirty="0" err="1"/>
+              <a:t>eleifend</a:t>
+            </a:r>
+            <a:r>
+              <a:rPr lang="de-DE" sz="2000" dirty="0"/>
+              <a:t>, </a:t>
+            </a:r>
+            <a:r>
+              <a:rPr lang="de-DE" sz="2000" dirty="0" err="1"/>
+              <a:t>metus</a:t>
+            </a:r>
+            <a:r>
+              <a:rPr lang="de-DE" sz="2000" dirty="0"/>
+              <a:t> mi </a:t>
+            </a:r>
+            <a:r>
+              <a:rPr lang="de-DE" sz="2000" dirty="0" err="1"/>
+              <a:t>dapibus</a:t>
+            </a:r>
+            <a:r>
+              <a:rPr lang="de-DE" sz="2000" dirty="0"/>
+              <a:t> </a:t>
+            </a:r>
+            <a:r>
+              <a:rPr lang="de-DE" sz="2000" dirty="0" err="1"/>
+              <a:t>metus</a:t>
+            </a:r>
+            <a:r>
+              <a:rPr lang="de-DE" sz="2000" dirty="0"/>
+              <a:t>, </a:t>
+            </a:r>
+            <a:r>
+              <a:rPr lang="de-DE" sz="2000" dirty="0" err="1"/>
+              <a:t>dapibus</a:t>
+            </a:r>
+            <a:r>
+              <a:rPr lang="de-DE" sz="2000" dirty="0"/>
+              <a:t> </a:t>
+            </a:r>
+            <a:r>
+              <a:rPr lang="de-DE" sz="2000" dirty="0" err="1"/>
+              <a:t>scelerisque</a:t>
+            </a:r>
+            <a:r>
+              <a:rPr lang="de-DE" sz="2000" dirty="0"/>
+              <a:t> </a:t>
+            </a:r>
+            <a:r>
+              <a:rPr lang="de-DE" sz="2000" dirty="0" err="1"/>
+              <a:t>felis</a:t>
             </a:r>
             <a:r>
               <a:rPr lang="de-DE" sz="2000" dirty="0"/>
@@ -15356,43 +15566,11 @@
             </a:r>
             <a:r>
               <a:rPr lang="de-DE" sz="2000" dirty="0"/>
-              <a:t> </a:t>
-            </a:r>
-            <a:r>
-              <a:rPr lang="de-DE" sz="2000" dirty="0" err="1"/>
-              <a:t>hendrerit</a:t>
-            </a:r>
-            <a:r>
-              <a:rPr lang="de-DE" sz="2000" dirty="0"/>
-              <a:t> non. Mauris </a:t>
-            </a:r>
-            <a:r>
-              <a:rPr lang="de-DE" sz="2000" dirty="0" err="1"/>
-              <a:t>rhoncus</a:t>
-            </a:r>
-            <a:r>
-              <a:rPr lang="de-DE" sz="2000" dirty="0"/>
-              <a:t> </a:t>
-            </a:r>
-            <a:r>
-              <a:rPr lang="de-DE" sz="2000" dirty="0" err="1"/>
-              <a:t>aliquet</a:t>
-            </a:r>
-            <a:r>
-              <a:rPr lang="de-DE" sz="2000" dirty="0"/>
-              <a:t> erat </a:t>
-            </a:r>
-            <a:r>
-              <a:rPr lang="de-DE" sz="2000" dirty="0" err="1"/>
-              <a:t>eget</a:t>
-            </a:r>
-            <a:r>
-              <a:rPr lang="de-DE" sz="2000" dirty="0"/>
-              <a:t> </a:t>
-            </a:r>
-            <a:r>
-              <a:rPr lang="de-DE" sz="2000" dirty="0" err="1"/>
-              <a:t>placerat</a:t>
+              <a:t> et </a:t>
+            </a:r>
+            <a:r>
+              <a:rPr lang="de-DE" sz="2000" dirty="0" err="1"/>
+              <a:t>turpis</a:t>
             </a:r>
             <a:r>
               <a:rPr lang="de-DE" sz="2000" dirty="0"/>
@@ -15400,63 +15578,23 @@
             </a:r>
             <a:r>
               <a:rPr lang="de-DE" sz="2000" dirty="0" err="1"/>
-              <a:t>Donec</a:t>
-            </a:r>
-            <a:r>
-              <a:rPr lang="de-DE" sz="2000" dirty="0"/>
-              <a:t> </a:t>
-            </a:r>
-            <a:r>
-              <a:rPr lang="de-DE" sz="2000" dirty="0" err="1"/>
-              <a:t>sit</a:t>
-            </a:r>
-            <a:r>
-              <a:rPr lang="de-DE" sz="2000" dirty="0"/>
-              <a:t> </a:t>
-            </a:r>
-            <a:r>
-              <a:rPr lang="de-DE" sz="2000" dirty="0" err="1"/>
-              <a:t>amet</a:t>
-            </a:r>
-            <a:r>
-              <a:rPr lang="de-DE" sz="2000" dirty="0"/>
-              <a:t> </a:t>
-            </a:r>
-            <a:r>
-              <a:rPr lang="de-DE" sz="2000" dirty="0" err="1"/>
-              <a:t>aliquam</a:t>
-            </a:r>
-            <a:r>
-              <a:rPr lang="de-DE" sz="2000" dirty="0"/>
-              <a:t> mi, </a:t>
-            </a:r>
-            <a:r>
-              <a:rPr lang="de-DE" sz="2000" dirty="0" err="1"/>
-              <a:t>id</a:t>
-            </a:r>
-            <a:r>
-              <a:rPr lang="de-DE" sz="2000" dirty="0"/>
-              <a:t> </a:t>
-            </a:r>
-            <a:r>
-              <a:rPr lang="de-DE" sz="2000" dirty="0" err="1"/>
-              <a:t>molestie</a:t>
-            </a:r>
-            <a:r>
-              <a:rPr lang="de-DE" sz="2000" dirty="0"/>
-              <a:t> </a:t>
-            </a:r>
-            <a:r>
-              <a:rPr lang="de-DE" sz="2000" dirty="0" err="1"/>
-              <a:t>elit</a:t>
-            </a:r>
-            <a:r>
-              <a:rPr lang="de-DE" sz="2000" dirty="0"/>
-              <a:t>. </a:t>
-            </a:r>
-            <a:r>
-              <a:rPr lang="de-DE" sz="2000" dirty="0" err="1"/>
-              <a:t>Proin</a:t>
+              <a:t>Nullam</a:t>
+            </a:r>
+            <a:r>
+              <a:rPr lang="de-DE" sz="2000" dirty="0"/>
+              <a:t> </a:t>
+            </a:r>
+            <a:r>
+              <a:rPr lang="de-DE" sz="2000" dirty="0" err="1"/>
+              <a:t>euismod</a:t>
+            </a:r>
+            <a:r>
+              <a:rPr lang="de-DE" sz="2000" dirty="0"/>
+              <a:t> </a:t>
+            </a:r>
+            <a:r>
+              <a:rPr lang="de-DE" sz="2000" dirty="0" err="1"/>
+              <a:t>sodales</a:t>
             </a:r>
             <a:r>
               <a:rPr lang="de-DE" sz="2000" dirty="0"/>
@@ -15468,77 +15606,8 @@
             </a:r>
             <a:r>
               <a:rPr lang="de-DE" sz="2000" dirty="0"/>
-              <a:t> </a:t>
-            </a:r>
-            <a:r>
-              <a:rPr lang="de-DE" sz="2000" dirty="0" err="1"/>
-              <a:t>mattis</a:t>
-            </a:r>
-            <a:r>
-              <a:rPr lang="de-DE" sz="2000" dirty="0"/>
-              <a:t> </a:t>
-            </a:r>
-            <a:r>
-              <a:rPr lang="de-DE" sz="2000" dirty="0" err="1"/>
-              <a:t>velit</a:t>
-            </a:r>
-            <a:r>
-              <a:rPr lang="de-DE" sz="2000" dirty="0"/>
-              <a:t> </a:t>
-            </a:r>
-            <a:r>
-              <a:rPr lang="de-DE" sz="2000" dirty="0" err="1"/>
-              <a:t>ac</a:t>
-            </a:r>
-            <a:r>
-              <a:rPr lang="de-DE" sz="2000" dirty="0"/>
-              <a:t> </a:t>
-            </a:r>
-            <a:r>
-              <a:rPr lang="de-DE" sz="2000" dirty="0" err="1"/>
-              <a:t>finibus</a:t>
-            </a:r>
-            <a:r>
-              <a:rPr lang="de-DE" sz="2000" dirty="0"/>
-              <a:t>. Sed </a:t>
-            </a:r>
-            <a:r>
-              <a:rPr lang="de-DE" sz="2000" dirty="0" err="1"/>
-              <a:t>ac</a:t>
-            </a:r>
-            <a:r>
-              <a:rPr lang="de-DE" sz="2000" dirty="0"/>
-              <a:t> </a:t>
-            </a:r>
-            <a:r>
-              <a:rPr lang="de-DE" sz="2000" dirty="0" err="1"/>
-              <a:t>felis</a:t>
-            </a:r>
-            <a:r>
-              <a:rPr lang="de-DE" sz="2000" dirty="0"/>
-              <a:t> </a:t>
-            </a:r>
-            <a:r>
-              <a:rPr lang="de-DE" sz="2000" dirty="0" err="1"/>
-              <a:t>bibendum</a:t>
-            </a:r>
-            <a:r>
-              <a:rPr lang="de-DE" sz="2000" dirty="0"/>
-              <a:t> nisi </a:t>
-            </a:r>
-            <a:r>
-              <a:rPr lang="de-DE" sz="2000" dirty="0" err="1"/>
-              <a:t>hendrerit</a:t>
-            </a:r>
-            <a:r>
-              <a:rPr lang="de-DE" sz="2000" dirty="0"/>
-              <a:t> </a:t>
-            </a:r>
-            <a:r>
-              <a:rPr lang="de-DE" sz="2000" dirty="0" err="1"/>
-              <a:t>tincidunt</a:t>
-            </a:r>
-            <a:endParaRPr lang="de-DE" sz="2000" dirty="0"/>
+              <a:t>.</a:t>
+            </a:r>
           </a:p>
         </p:txBody>
       </p:sp>
